--- a/lectures3/Pythonlearn-04-Functions.pptx
+++ b/lectures3/Pythonlearn-04-Functions.pptx
@@ -1788,7 +1788,32 @@
               </a:spcBef>
               <a:buNone/>
             </a:pPr>
-            <a:endParaRPr/>
+            <a:r>
+              <a:rPr lang="en-US" dirty="0" err="1"/>
+              <a:t>dynks</a:t>
+            </a:r>
+            <a:r>
+              <a:rPr lang="en-US" dirty="0"/>
+              <a:t> –</a:t>
+            </a:r>
+            <a:r>
+              <a:rPr lang="pl-PL" dirty="0"/>
+              <a:t> przedmiot o nazwie, której mówiący nie potrafi określić</a:t>
+            </a:r>
+            <a:endParaRPr lang="en-US" dirty="0"/>
+          </a:p>
+          <a:p>
+            <a:pPr lvl="0" algn="l" rtl="0">
+              <a:spcBef>
+                <a:spcPts val="0"/>
+              </a:spcBef>
+              <a:buNone/>
+            </a:pPr>
+            <a:r>
+              <a:rPr lang="pl-PL" dirty="0"/>
+              <a:t>https://pl.wiktionary.org/wiki/dynks</a:t>
+            </a:r>
+            <a:endParaRPr lang="en-US" dirty="0"/>
           </a:p>
         </p:txBody>
       </p:sp>
@@ -5058,7 +5083,7 @@
               <a:buNone/>
             </a:pPr>
             <a:r>
-              <a:rPr lang="pl" sz="3200" b="0" i="0" u="none" strike="noStrike" cap="none" baseline="0">
+              <a:rPr lang="pl" sz="3200" b="0" i="0" u="none" strike="noStrike" cap="none" baseline="0" dirty="0">
                 <a:solidFill>
                   <a:srgbClr val="FFFF00"/>
                 </a:solidFill>
@@ -5098,7 +5123,7 @@
               <a:buNone/>
             </a:pPr>
             <a:r>
-              <a:rPr lang="pl" sz="3200" b="0" i="0" u="sng" strike="noStrike" cap="none" baseline="0">
+              <a:rPr lang="pl" sz="3200" b="0" i="0" u="sng" strike="noStrike" cap="none" baseline="0" dirty="0">
                 <a:solidFill>
                   <a:srgbClr val="FFFF00"/>
                 </a:solidFill>
@@ -5108,7 +5133,20 @@
                 <a:sym typeface="Cabin"/>
                 <a:hlinkClick r:id="rId3"/>
               </a:rPr>
-              <a:t>www.py4e.com</a:t>
+              <a:t>www.py4e.</a:t>
+            </a:r>
+            <a:r>
+              <a:rPr lang="en-US" sz="3200" b="0" i="0" u="sng" strike="noStrike" cap="none" baseline="0">
+                <a:solidFill>
+                  <a:srgbClr val="FFFF00"/>
+                </a:solidFill>
+                <a:latin typeface="Arial" charset="0"/>
+                <a:ea typeface="Arial" charset="0"/>
+                <a:cs typeface="Arial" charset="0"/>
+                <a:sym typeface="Cabin"/>
+                <a:hlinkClick r:id="rId3"/>
+              </a:rPr>
+              <a:t>pl</a:t>
             </a:r>
             <a:endParaRPr lang="pl" sz="3200" u="sng" strike="noStrike" cap="none" dirty="0">
               <a:solidFill>
@@ -5118,7 +5156,7 @@
               <a:ea typeface="Arial" charset="0"/>
               <a:cs typeface="Arial" charset="0"/>
               <a:sym typeface="Cabin"/>
-              <a:hlinkClick r:id="rId3"/>
+              <a:hlinkClick r:id="rId4"/>
             </a:endParaRPr>
           </a:p>
         </p:txBody>
@@ -5130,7 +5168,7 @@
           <p:nvPr/>
         </p:nvPicPr>
         <p:blipFill rotWithShape="1">
-          <a:blip r:embed="rId4">
+          <a:blip r:embed="rId5">
             <a:alphaModFix/>
           </a:blip>
           <a:srcRect/>
@@ -5157,7 +5195,7 @@
           <p:nvPr/>
         </p:nvPicPr>
         <p:blipFill rotWithShape="1">
-          <a:blip r:embed="rId5">
+          <a:blip r:embed="rId6">
             <a:alphaModFix/>
           </a:blip>
           <a:srcRect/>
@@ -5881,7 +5919,7 @@
               <a:buNone/>
             </a:pPr>
             <a:r>
-              <a:rPr lang="pl" sz="2800" b="0" i="0" u="none" strike="noStrike" cap="none" baseline="0">
+              <a:rPr lang="pl" sz="2800" b="0" i="0" u="none" strike="noStrike" cap="none" baseline="0" dirty="0">
                 <a:solidFill>
                   <a:srgbClr val="00FF00"/>
                 </a:solidFill>
@@ -5893,7 +5931,7 @@
               <a:t>x</a:t>
             </a:r>
             <a:r>
-              <a:rPr lang="pl" sz="2800" b="0" i="0" u="none" strike="noStrike" cap="none" baseline="0">
+              <a:rPr lang="pl" sz="2800" b="0" i="0" u="none" strike="noStrike" cap="none" baseline="0" dirty="0">
                 <a:solidFill>
                   <a:schemeClr val="lt1"/>
                 </a:solidFill>
@@ -5924,16 +5962,7 @@
               <a:buNone/>
             </a:pPr>
             <a:r>
-              <a:rPr lang="pl" sz="2800" b="0" i="0" u="none" strike="noStrike" cap="none" baseline="0">
-                <a:latin typeface="Courier"/>
-                <a:ea typeface="Courier"/>
-                <a:cs typeface="Courier"/>
-                <a:sym typeface="Courier New"/>
-              </a:rPr>
-              <a:t>  </a:t>
-            </a:r>
-            <a:r>
-              <a:rPr lang="pl" sz="2800" b="0" i="0" u="none" strike="noStrike" cap="none" baseline="0">
+              <a:rPr lang="pl" sz="2800" b="0" i="0" u="none" strike="noStrike" cap="none" baseline="0" dirty="0">
                 <a:solidFill>
                   <a:srgbClr val="FFFF00"/>
                 </a:solidFill>
@@ -5945,7 +5974,7 @@
               <a:t>print</a:t>
             </a:r>
             <a:r>
-              <a:rPr lang="pl" sz="2800" b="0" i="0" u="none" baseline="0">
+              <a:rPr lang="pl" sz="2800" b="0" i="0" u="none" baseline="0" dirty="0">
                 <a:solidFill>
                   <a:schemeClr val="lt1"/>
                 </a:solidFill>
@@ -5957,7 +5986,7 @@
               <a:t>(</a:t>
             </a:r>
             <a:r>
-              <a:rPr lang="pl" sz="2800" b="0" i="0" u="none" strike="noStrike" cap="none" baseline="0">
+              <a:rPr lang="pl" sz="2800" b="0" i="0" u="none" strike="noStrike" cap="none" baseline="0" dirty="0">
                 <a:solidFill>
                   <a:schemeClr val="lt1"/>
                 </a:solidFill>
@@ -6020,7 +6049,7 @@
               <a:buNone/>
             </a:pPr>
             <a:r>
-              <a:rPr lang="pl" sz="2800" b="0" i="0" u="none" strike="noStrike" cap="none" baseline="0">
+              <a:rPr lang="pl" sz="2800" b="0" i="0" u="none" strike="noStrike" cap="none" baseline="0" dirty="0">
                 <a:solidFill>
                   <a:srgbClr val="FFFF00"/>
                 </a:solidFill>
@@ -6032,7 +6061,7 @@
               <a:t>def</a:t>
             </a:r>
             <a:r>
-              <a:rPr lang="pl" sz="2800" b="0" i="0" u="none" strike="noStrike" cap="none" baseline="0">
+              <a:rPr lang="pl" sz="2800" b="0" i="0" u="none" strike="noStrike" cap="none" baseline="0" dirty="0">
                 <a:solidFill>
                   <a:schemeClr val="lt1"/>
                 </a:solidFill>
@@ -6044,7 +6073,7 @@
               <a:t> </a:t>
             </a:r>
             <a:r>
-              <a:rPr lang="pl" sz="2800" b="0" i="0" u="none" strike="noStrike" cap="none" baseline="0">
+              <a:rPr lang="pl" sz="2800" b="0" i="0" u="none" strike="noStrike" cap="none" baseline="0" dirty="0">
                 <a:solidFill>
                   <a:srgbClr val="00FF00"/>
                 </a:solidFill>
@@ -6056,7 +6085,7 @@
               <a:t>print_lyrics</a:t>
             </a:r>
             <a:r>
-              <a:rPr lang="pl" sz="2800" b="0" i="0" u="none" strike="noStrike" cap="none" baseline="0">
+              <a:rPr lang="pl" sz="2800" b="0" i="0" u="none" strike="noStrike" cap="none" baseline="0" dirty="0">
                 <a:solidFill>
                   <a:schemeClr val="lt1"/>
                 </a:solidFill>
@@ -6087,7 +6116,7 @@
               <a:buNone/>
             </a:pPr>
             <a:r>
-              <a:rPr lang="pl" sz="2800" b="0" i="0" u="none" strike="noStrike" cap="none" baseline="0">
+              <a:rPr lang="pl" sz="2800" b="0" i="0" u="none" strike="noStrike" cap="none" baseline="0" dirty="0">
                 <a:solidFill>
                   <a:schemeClr val="lt1"/>
                 </a:solidFill>
@@ -6099,7 +6128,7 @@
               <a:t>    </a:t>
             </a:r>
             <a:r>
-              <a:rPr lang="pl" sz="2800" b="0" i="0" u="none" strike="noStrike" cap="none" baseline="0">
+              <a:rPr lang="pl" sz="2800" b="0" i="0" u="none" strike="noStrike" cap="none" baseline="0" dirty="0">
                 <a:solidFill>
                   <a:srgbClr val="FFFF00"/>
                 </a:solidFill>
@@ -6111,7 +6140,7 @@
               <a:t>print</a:t>
             </a:r>
             <a:r>
-              <a:rPr lang="pl" sz="2800" b="0" i="0" u="none" baseline="0">
+              <a:rPr lang="pl" sz="2800" b="0" i="0" u="none" baseline="0" dirty="0">
                 <a:solidFill>
                   <a:schemeClr val="lt1"/>
                 </a:solidFill>
@@ -6123,7 +6152,7 @@
               <a:t>(</a:t>
             </a:r>
             <a:r>
-              <a:rPr lang="pl" sz="2800" b="0" i="0" u="none" strike="noStrike" cap="none" baseline="0">
+              <a:rPr lang="pl" sz="2800" b="0" i="0" u="none" strike="noStrike" cap="none" baseline="0" dirty="0">
                 <a:solidFill>
                   <a:schemeClr val="lt1"/>
                 </a:solidFill>
@@ -6135,7 +6164,7 @@
               <a:t>"jestem sobie drwal i równy chłop.</a:t>
             </a:r>
             <a:r>
-              <a:rPr lang="pl" sz="2800" b="0" i="0" u="none" baseline="0">
+              <a:rPr lang="pl" sz="2800" b="0" i="0" u="none" baseline="0" dirty="0">
                 <a:solidFill>
                   <a:schemeClr val="lt1"/>
                 </a:solidFill>
@@ -6175,7 +6204,7 @@
               <a:buNone/>
             </a:pPr>
             <a:r>
-              <a:rPr lang="pl" sz="2800" b="0" i="0" u="none" strike="noStrike" cap="none" baseline="0">
+              <a:rPr lang="pl" sz="2800" b="0" i="0" u="none" strike="noStrike" cap="none" baseline="0" dirty="0">
                 <a:solidFill>
                   <a:schemeClr val="lt1"/>
                 </a:solidFill>
@@ -6187,7 +6216,7 @@
               <a:t>    </a:t>
             </a:r>
             <a:r>
-              <a:rPr lang="pl" sz="2800" b="0" i="0" u="none" strike="noStrike" cap="none" baseline="0">
+              <a:rPr lang="pl" sz="2800" b="0" i="0" u="none" strike="noStrike" cap="none" baseline="0" dirty="0">
                 <a:solidFill>
                   <a:srgbClr val="FFFF00"/>
                 </a:solidFill>
@@ -6199,7 +6228,7 @@
               <a:t>print</a:t>
             </a:r>
             <a:r>
-              <a:rPr lang="pl" sz="2800" b="0" i="0" u="none" baseline="0">
+              <a:rPr lang="pl" sz="2800" b="0" i="0" u="none" baseline="0" dirty="0">
                 <a:solidFill>
                   <a:schemeClr val="lt1"/>
                 </a:solidFill>
@@ -6211,7 +6240,7 @@
               <a:t>(</a:t>
             </a:r>
             <a:r>
-              <a:rPr lang="pl" sz="2800" b="0" i="0" u="none" strike="noStrike" cap="none" baseline="0">
+              <a:rPr lang="pl" sz="2800" b="0" i="0" u="none" strike="noStrike" cap="none" baseline="0" dirty="0">
                 <a:solidFill>
                   <a:schemeClr val="lt1"/>
                 </a:solidFill>
@@ -6274,7 +6303,7 @@
               <a:buNone/>
             </a:pPr>
             <a:r>
-              <a:rPr lang="pl" sz="2800" b="0" i="0" u="none" strike="noStrike" cap="none" baseline="0">
+              <a:rPr lang="pl" sz="2800" b="0" i="0" u="none" strike="noStrike" cap="none" baseline="0" dirty="0">
                 <a:solidFill>
                   <a:srgbClr val="FFFF00"/>
                 </a:solidFill>
@@ -6286,7 +6315,7 @@
               <a:t>print</a:t>
             </a:r>
             <a:r>
-              <a:rPr lang="pl" sz="2800" b="0" i="0" u="none" baseline="0">
+              <a:rPr lang="pl" sz="2800" b="0" i="0" u="none" baseline="0" dirty="0">
                 <a:solidFill>
                   <a:schemeClr val="lt1"/>
                 </a:solidFill>
@@ -6298,7 +6327,7 @@
               <a:t>(</a:t>
             </a:r>
             <a:r>
-              <a:rPr lang="pl" sz="2800" b="0" i="0" u="none" strike="noStrike" cap="none" baseline="0">
+              <a:rPr lang="pl" sz="2800" b="0" i="0" u="none" strike="noStrike" cap="none" baseline="0" dirty="0">
                 <a:solidFill>
                   <a:schemeClr val="lt1"/>
                 </a:solidFill>
@@ -6338,7 +6367,7 @@
               <a:buNone/>
             </a:pPr>
             <a:r>
-              <a:rPr lang="pl" sz="2800" b="0" i="0" u="none" strike="noStrike" cap="none" baseline="0">
+              <a:rPr lang="pl" sz="2800" b="0" i="0" u="none" strike="noStrike" cap="none" baseline="0" dirty="0">
                 <a:solidFill>
                   <a:srgbClr val="00FF00"/>
                 </a:solidFill>
@@ -6350,7 +6379,7 @@
               <a:t>x</a:t>
             </a:r>
             <a:r>
-              <a:rPr lang="pl" sz="2800" b="0" i="0" u="none" strike="noStrike" cap="none" baseline="0">
+              <a:rPr lang="pl" sz="2800" b="0" i="0" u="none" strike="noStrike" cap="none" baseline="0" dirty="0">
                 <a:solidFill>
                   <a:schemeClr val="lt1"/>
                 </a:solidFill>
@@ -6362,7 +6391,7 @@
               <a:t> = </a:t>
             </a:r>
             <a:r>
-              <a:rPr lang="pl" sz="2800" b="0" i="0" u="none" strike="noStrike" cap="none" baseline="0">
+              <a:rPr lang="pl" sz="2800" b="0" i="0" u="none" strike="noStrike" cap="none" baseline="0" dirty="0">
                 <a:solidFill>
                   <a:srgbClr val="00FF00"/>
                 </a:solidFill>
@@ -6374,7 +6403,7 @@
               <a:t>x</a:t>
             </a:r>
             <a:r>
-              <a:rPr lang="pl" sz="2800" b="0" i="0" u="none" strike="noStrike" cap="none" baseline="0">
+              <a:rPr lang="pl" sz="2800" b="0" i="0" u="none" strike="noStrike" cap="none" baseline="0" dirty="0">
                 <a:solidFill>
                   <a:schemeClr val="lt1"/>
                 </a:solidFill>
@@ -6386,7 +6415,7 @@
               <a:t> </a:t>
             </a:r>
             <a:r>
-              <a:rPr lang="pl" sz="2800" b="0" i="0" u="none" strike="noStrike" cap="none" baseline="0">
+              <a:rPr lang="pl" sz="2800" b="0" i="0" u="none" strike="noStrike" cap="none" baseline="0" dirty="0">
                 <a:solidFill>
                   <a:srgbClr val="00FFFF"/>
                 </a:solidFill>
@@ -6398,7 +6427,7 @@
               <a:t>+</a:t>
             </a:r>
             <a:r>
-              <a:rPr lang="pl" sz="2800" b="0" i="0" u="none" strike="noStrike" cap="none" baseline="0">
+              <a:rPr lang="pl" sz="2800" b="0" i="0" u="none" strike="noStrike" cap="none" baseline="0" dirty="0">
                 <a:solidFill>
                   <a:schemeClr val="lt1"/>
                 </a:solidFill>
@@ -6429,7 +6458,7 @@
               <a:buNone/>
             </a:pPr>
             <a:r>
-              <a:rPr lang="pl" sz="2800" b="0" i="0" u="none" strike="noStrike" cap="none" baseline="0">
+              <a:rPr lang="pl" sz="2800" b="0" i="0" u="none" strike="noStrike" cap="none" baseline="0" dirty="0">
                 <a:solidFill>
                   <a:srgbClr val="FFFF00"/>
                 </a:solidFill>
@@ -6441,7 +6470,7 @@
               <a:t>print</a:t>
             </a:r>
             <a:r>
-              <a:rPr lang="pl" sz="2800" b="0" i="0" u="none" baseline="0">
+              <a:rPr lang="pl" sz="2800" b="0" i="0" u="none" baseline="0" dirty="0">
                 <a:solidFill>
                   <a:schemeClr val="lt1"/>
                 </a:solidFill>
@@ -6453,7 +6482,7 @@
               <a:t>(</a:t>
             </a:r>
             <a:r>
-              <a:rPr lang="pl" sz="2800" b="0" i="0" u="none" strike="noStrike" cap="none" baseline="0">
+              <a:rPr lang="pl" sz="2800" b="0" i="0" u="none" strike="noStrike" cap="none" baseline="0" dirty="0">
                 <a:solidFill>
                   <a:srgbClr val="00FF00"/>
                 </a:solidFill>
@@ -6465,7 +6494,7 @@
               <a:t>x</a:t>
             </a:r>
             <a:r>
-              <a:rPr lang="pl" sz="2800" b="0" i="0" u="none" strike="noStrike" cap="none" baseline="0">
+              <a:rPr lang="pl" sz="2800" b="0" i="0" u="none" strike="noStrike" cap="none" baseline="0" dirty="0">
                 <a:solidFill>
                   <a:schemeClr val="bg1"/>
                 </a:solidFill>
@@ -7231,7 +7260,7 @@
               <a:buNone/>
             </a:pPr>
             <a:r>
-              <a:rPr lang="pl" sz="3000" b="0" i="0" u="none" strike="noStrike" cap="none" baseline="0">
+              <a:rPr lang="pl" sz="3000" b="0" i="0" u="none" strike="noStrike" cap="none" baseline="0" dirty="0">
                 <a:solidFill>
                   <a:srgbClr val="00FF00"/>
                 </a:solidFill>
@@ -7243,7 +7272,7 @@
               <a:t>x</a:t>
             </a:r>
             <a:r>
-              <a:rPr lang="pl" sz="3000" b="0" i="0" u="none" strike="noStrike" cap="none" baseline="0">
+              <a:rPr lang="pl" sz="3000" b="0" i="0" u="none" strike="noStrike" cap="none" baseline="0" dirty="0">
                 <a:solidFill>
                   <a:schemeClr val="lt1"/>
                 </a:solidFill>
@@ -7274,16 +7303,7 @@
               <a:buNone/>
             </a:pPr>
             <a:r>
-              <a:rPr lang="pl" sz="3000" b="0" i="0" u="none" strike="noStrike" cap="none" baseline="0">
-                <a:latin typeface="Courier"/>
-                <a:ea typeface="Courier"/>
-                <a:cs typeface="Courier"/>
-                <a:sym typeface="Courier New"/>
-              </a:rPr>
-              <a:t>  </a:t>
-            </a:r>
-            <a:r>
-              <a:rPr lang="pl" sz="3000" b="0" i="0" u="none" strike="noStrike" cap="none" baseline="0">
+              <a:rPr lang="pl" sz="3000" b="0" i="0" u="none" strike="noStrike" cap="none" baseline="0" dirty="0">
                 <a:solidFill>
                   <a:srgbClr val="FFFF00"/>
                 </a:solidFill>
@@ -7295,7 +7315,7 @@
               <a:t>print</a:t>
             </a:r>
             <a:r>
-              <a:rPr lang="pl" sz="3000" b="0" i="0" u="none" baseline="0">
+              <a:rPr lang="pl" sz="3000" b="0" i="0" u="none" baseline="0" dirty="0">
                 <a:solidFill>
                   <a:schemeClr val="lt1"/>
                 </a:solidFill>
@@ -7307,7 +7327,7 @@
               <a:t>(</a:t>
             </a:r>
             <a:r>
-              <a:rPr lang="pl" sz="3000" b="0" i="0" u="none" strike="noStrike" cap="none" baseline="0">
+              <a:rPr lang="pl" sz="3000" b="0" i="0" u="none" strike="noStrike" cap="none" baseline="0" dirty="0">
                 <a:solidFill>
                   <a:schemeClr val="lt1"/>
                 </a:solidFill>
@@ -7370,7 +7390,7 @@
               <a:buNone/>
             </a:pPr>
             <a:r>
-              <a:rPr lang="pl" sz="3000" b="0" i="0" u="none" strike="noStrike" cap="none" baseline="0">
+              <a:rPr lang="pl" sz="3000" b="0" i="0" u="none" strike="noStrike" cap="none" baseline="0" dirty="0">
                 <a:solidFill>
                   <a:srgbClr val="FFFF00"/>
                 </a:solidFill>
@@ -7382,7 +7402,7 @@
               <a:t>def</a:t>
             </a:r>
             <a:r>
-              <a:rPr lang="pl" sz="3000" b="0" i="0" u="none" strike="noStrike" cap="none" baseline="0">
+              <a:rPr lang="pl" sz="3000" b="0" i="0" u="none" strike="noStrike" cap="none" baseline="0" dirty="0">
                 <a:solidFill>
                   <a:schemeClr val="lt1"/>
                 </a:solidFill>
@@ -7394,7 +7414,7 @@
               <a:t> </a:t>
             </a:r>
             <a:r>
-              <a:rPr lang="pl" sz="3000" b="0" i="0" u="none" strike="noStrike" cap="none" baseline="0">
+              <a:rPr lang="pl" sz="3000" b="0" i="0" u="none" strike="noStrike" cap="none" baseline="0" dirty="0">
                 <a:solidFill>
                   <a:srgbClr val="00FF00"/>
                 </a:solidFill>
@@ -7406,7 +7426,7 @@
               <a:t>print_lyrics</a:t>
             </a:r>
             <a:r>
-              <a:rPr lang="pl" sz="3000" b="0" i="0" u="none" strike="noStrike" cap="none" baseline="0">
+              <a:rPr lang="pl" sz="3000" b="0" i="0" u="none" strike="noStrike" cap="none" baseline="0" dirty="0">
                 <a:solidFill>
                   <a:schemeClr val="lt1"/>
                 </a:solidFill>
@@ -7437,7 +7457,7 @@
               <a:buNone/>
             </a:pPr>
             <a:r>
-              <a:rPr lang="pl" sz="3000" b="0" i="0" u="none" strike="noStrike" cap="none" baseline="0">
+              <a:rPr lang="pl" sz="3000" b="0" i="0" u="none" strike="noStrike" cap="none" baseline="0" dirty="0">
                 <a:solidFill>
                   <a:schemeClr val="lt1"/>
                 </a:solidFill>
@@ -7449,7 +7469,7 @@
               <a:t>   </a:t>
             </a:r>
             <a:r>
-              <a:rPr lang="pl" sz="3000" b="0" i="0" u="none" strike="noStrike" cap="none" baseline="0">
+              <a:rPr lang="pl" sz="3000" b="0" i="0" u="none" strike="noStrike" cap="none" baseline="0" dirty="0">
                 <a:solidFill>
                   <a:srgbClr val="FFFF00"/>
                 </a:solidFill>
@@ -7461,7 +7481,7 @@
               <a:t>print</a:t>
             </a:r>
             <a:r>
-              <a:rPr lang="pl" sz="3000" b="0" i="0" u="none" baseline="0">
+              <a:rPr lang="pl" sz="3000" b="0" i="0" u="none" baseline="0" dirty="0">
                 <a:solidFill>
                   <a:schemeClr val="lt1"/>
                 </a:solidFill>
@@ -7473,7 +7493,7 @@
               <a:t>(</a:t>
             </a:r>
             <a:r>
-              <a:rPr lang="pl" sz="3000" b="0" i="0" u="none" strike="noStrike" cap="none" baseline="0">
+              <a:rPr lang="pl" sz="3000" b="0" i="0" u="none" strike="noStrike" cap="none" baseline="0" dirty="0">
                 <a:solidFill>
                   <a:schemeClr val="lt1"/>
                 </a:solidFill>
@@ -7485,7 +7505,7 @@
               <a:t>"jestem sobie drwal i równy chłop.</a:t>
             </a:r>
             <a:r>
-              <a:rPr lang="pl" sz="3000" b="0" i="0" u="none" baseline="0">
+              <a:rPr lang="pl" sz="3000" b="0" i="0" u="none" baseline="0" dirty="0">
                 <a:solidFill>
                   <a:schemeClr val="lt1"/>
                 </a:solidFill>
@@ -7525,7 +7545,7 @@
               <a:buNone/>
             </a:pPr>
             <a:r>
-              <a:rPr lang="pl" sz="3000" b="0" i="0" u="none" strike="noStrike" cap="none" baseline="0">
+              <a:rPr lang="pl" sz="3000" b="0" i="0" u="none" strike="noStrike" cap="none" baseline="0" dirty="0">
                 <a:solidFill>
                   <a:schemeClr val="lt1"/>
                 </a:solidFill>
@@ -7537,7 +7557,7 @@
               <a:t>   </a:t>
             </a:r>
             <a:r>
-              <a:rPr lang="pl" sz="3000" b="0" i="0" u="none" strike="noStrike" cap="none" baseline="0">
+              <a:rPr lang="pl" sz="3000" b="0" i="0" u="none" strike="noStrike" cap="none" baseline="0" dirty="0">
                 <a:solidFill>
                   <a:srgbClr val="FFFF00"/>
                 </a:solidFill>
@@ -7549,7 +7569,7 @@
               <a:t>print</a:t>
             </a:r>
             <a:r>
-              <a:rPr lang="pl" sz="3000" b="0" i="0" u="none" baseline="0">
+              <a:rPr lang="pl" sz="3000" b="0" i="0" u="none" baseline="0" dirty="0">
                 <a:solidFill>
                   <a:schemeClr val="lt1"/>
                 </a:solidFill>
@@ -7561,7 +7581,7 @@
               <a:t>(</a:t>
             </a:r>
             <a:r>
-              <a:rPr lang="pl" sz="3000" b="0" i="0" u="none" strike="noStrike" cap="none" baseline="0">
+              <a:rPr lang="pl" sz="3000" b="0" i="0" u="none" strike="noStrike" cap="none" baseline="0" dirty="0">
                 <a:solidFill>
                   <a:schemeClr val="lt1"/>
                 </a:solidFill>
@@ -7624,7 +7644,7 @@
               <a:buNone/>
             </a:pPr>
             <a:r>
-              <a:rPr lang="pl" sz="3000" b="0" i="0" u="none" strike="noStrike" cap="none" baseline="0">
+              <a:rPr lang="pl" sz="3000" b="0" i="0" u="none" strike="noStrike" cap="none" baseline="0" dirty="0">
                 <a:solidFill>
                   <a:srgbClr val="FFFF00"/>
                 </a:solidFill>
@@ -7636,7 +7656,7 @@
               <a:t>print</a:t>
             </a:r>
             <a:r>
-              <a:rPr lang="pl" sz="3000" b="0" i="0" u="none" baseline="0">
+              <a:rPr lang="pl" sz="3000" b="0" i="0" u="none" baseline="0" dirty="0">
                 <a:solidFill>
                   <a:schemeClr val="lt1"/>
                 </a:solidFill>
@@ -7648,7 +7668,7 @@
               <a:t>(</a:t>
             </a:r>
             <a:r>
-              <a:rPr lang="pl" sz="3000" b="0" i="0" u="none" strike="noStrike" cap="none" baseline="0">
+              <a:rPr lang="pl" sz="3000" b="0" i="0" u="none" strike="noStrike" cap="none" baseline="0" dirty="0">
                 <a:solidFill>
                   <a:schemeClr val="lt1"/>
                 </a:solidFill>
@@ -7688,7 +7708,7 @@
               <a:buNone/>
             </a:pPr>
             <a:r>
-              <a:rPr lang="pl" sz="3000" b="0" i="0" u="none" strike="noStrike" cap="none" baseline="0">
+              <a:rPr lang="pl" sz="3000" b="0" i="0" u="none" strike="noStrike" cap="none" baseline="0" dirty="0">
                 <a:solidFill>
                   <a:srgbClr val="00FF00"/>
                 </a:solidFill>
@@ -7700,7 +7720,7 @@
               <a:t>print_lyrics</a:t>
             </a:r>
             <a:r>
-              <a:rPr lang="pl" sz="3000" b="0" i="0" u="none" strike="noStrike" cap="none" baseline="0">
+              <a:rPr lang="pl" sz="3000" b="0" i="0" u="none" strike="noStrike" cap="none" baseline="0" dirty="0">
                 <a:solidFill>
                   <a:schemeClr val="lt1"/>
                 </a:solidFill>
@@ -7731,7 +7751,7 @@
               <a:buNone/>
             </a:pPr>
             <a:r>
-              <a:rPr lang="pl" sz="3000" b="0" i="0" u="none" strike="noStrike" cap="none" baseline="0">
+              <a:rPr lang="pl" sz="3000" b="0" i="0" u="none" strike="noStrike" cap="none" baseline="0" dirty="0">
                 <a:solidFill>
                   <a:srgbClr val="00FF00"/>
                 </a:solidFill>
@@ -7743,7 +7763,7 @@
               <a:t>x</a:t>
             </a:r>
             <a:r>
-              <a:rPr lang="pl" sz="3000" b="0" i="0" u="none" strike="noStrike" cap="none" baseline="0">
+              <a:rPr lang="pl" sz="3000" b="0" i="0" u="none" strike="noStrike" cap="none" baseline="0" dirty="0">
                 <a:solidFill>
                   <a:schemeClr val="lt1"/>
                 </a:solidFill>
@@ -7755,7 +7775,7 @@
               <a:t> = </a:t>
             </a:r>
             <a:r>
-              <a:rPr lang="pl" sz="3000" b="0" i="0" u="none" strike="noStrike" cap="none" baseline="0">
+              <a:rPr lang="pl" sz="3000" b="0" i="0" u="none" strike="noStrike" cap="none" baseline="0" dirty="0">
                 <a:solidFill>
                   <a:srgbClr val="00FF00"/>
                 </a:solidFill>
@@ -7767,7 +7787,7 @@
               <a:t>x</a:t>
             </a:r>
             <a:r>
-              <a:rPr lang="pl" sz="3000" b="0" i="0" u="none" strike="noStrike" cap="none" baseline="0">
+              <a:rPr lang="pl" sz="3000" b="0" i="0" u="none" strike="noStrike" cap="none" baseline="0" dirty="0">
                 <a:solidFill>
                   <a:schemeClr val="lt1"/>
                 </a:solidFill>
@@ -7779,7 +7799,7 @@
               <a:t> </a:t>
             </a:r>
             <a:r>
-              <a:rPr lang="pl" sz="3000" b="0" i="0" u="none" strike="noStrike" cap="none" baseline="0">
+              <a:rPr lang="pl" sz="3000" b="0" i="0" u="none" strike="noStrike" cap="none" baseline="0" dirty="0">
                 <a:solidFill>
                   <a:srgbClr val="00FFFF"/>
                 </a:solidFill>
@@ -7791,7 +7811,7 @@
               <a:t>+</a:t>
             </a:r>
             <a:r>
-              <a:rPr lang="pl" sz="3000" b="0" i="0" u="none" strike="noStrike" cap="none" baseline="0">
+              <a:rPr lang="pl" sz="3000" b="0" i="0" u="none" strike="noStrike" cap="none" baseline="0" dirty="0">
                 <a:solidFill>
                   <a:schemeClr val="lt1"/>
                 </a:solidFill>
@@ -7822,7 +7842,7 @@
               <a:buNone/>
             </a:pPr>
             <a:r>
-              <a:rPr lang="pl" sz="3000" b="0" i="0" u="none" strike="noStrike" cap="none" baseline="0">
+              <a:rPr lang="pl" sz="3000" b="0" i="0" u="none" strike="noStrike" cap="none" baseline="0" dirty="0">
                 <a:solidFill>
                   <a:srgbClr val="FFFF00"/>
                 </a:solidFill>
@@ -7834,7 +7854,7 @@
               <a:t>print</a:t>
             </a:r>
             <a:r>
-              <a:rPr lang="pl" sz="3000" b="0" i="0" u="none" baseline="0">
+              <a:rPr lang="pl" sz="3000" b="0" i="0" u="none" baseline="0" dirty="0">
                 <a:solidFill>
                   <a:schemeClr val="lt1"/>
                 </a:solidFill>
@@ -7846,7 +7866,7 @@
               <a:t>(</a:t>
             </a:r>
             <a:r>
-              <a:rPr lang="pl" sz="3000" b="0" i="0" u="none" strike="noStrike" cap="none" baseline="0">
+              <a:rPr lang="pl" sz="3000" b="0" i="0" u="none" strike="noStrike" cap="none" baseline="0" dirty="0">
                 <a:solidFill>
                   <a:srgbClr val="00FF00"/>
                 </a:solidFill>
@@ -7858,7 +7878,7 @@
               <a:t>x</a:t>
             </a:r>
             <a:r>
-              <a:rPr lang="pl" sz="3000" b="0" i="0" u="none" strike="noStrike" cap="none" baseline="0">
+              <a:rPr lang="pl" sz="3000" b="0" i="0" u="none" strike="noStrike" cap="none" baseline="0" dirty="0">
                 <a:solidFill>
                   <a:schemeClr val="bg1"/>
                 </a:solidFill>
@@ -8459,7 +8479,7 @@
         <p:spPr>
           <a:xfrm>
             <a:off x="4635500" y="6718296"/>
-            <a:ext cx="7580313" cy="812799"/>
+            <a:ext cx="8971318" cy="812799"/>
           </a:xfrm>
           <a:prstGeom prst="rect">
             <a:avLst/>
@@ -8493,7 +8513,7 @@
               <a:buNone/>
             </a:pPr>
             <a:r>
-              <a:rPr lang="pl" sz="4900" b="0" i="0" u="none" strike="noStrike" cap="none" baseline="0">
+              <a:rPr lang="pl" sz="4900" b="0" i="0" u="none" strike="noStrike" cap="none" baseline="0" dirty="0">
                 <a:solidFill>
                   <a:srgbClr val="00FF00"/>
                 </a:solidFill>
@@ -8505,19 +8525,19 @@
               <a:t>xl</a:t>
             </a:r>
             <a:r>
-              <a:rPr lang="pl" sz="4900" b="0" i="0" u="none" strike="noStrike" cap="none" baseline="0">
-                <a:solidFill>
-                  <a:schemeClr val="lt1"/>
-                </a:solidFill>
-                <a:latin typeface="Arial" charset="0"/>
-                <a:ea typeface="Arial" charset="0"/>
-                <a:cs typeface="Arial" charset="0"/>
-                <a:sym typeface="Cabin"/>
-              </a:rPr>
-              <a:t> =  </a:t>
-            </a:r>
-            <a:r>
-              <a:rPr lang="pl" sz="4900" b="0" i="0" u="none" strike="noStrike" cap="none" baseline="0">
+              <a:rPr lang="pl" sz="4900" b="0" i="0" u="none" strike="noStrike" cap="none" baseline="0" dirty="0">
+                <a:solidFill>
+                  <a:schemeClr val="lt1"/>
+                </a:solidFill>
+                <a:latin typeface="Arial" charset="0"/>
+                <a:ea typeface="Arial" charset="0"/>
+                <a:cs typeface="Arial" charset="0"/>
+                <a:sym typeface="Cabin"/>
+              </a:rPr>
+              <a:t> = </a:t>
+            </a:r>
+            <a:r>
+              <a:rPr lang="pl" sz="4900" b="0" i="0" u="none" strike="noStrike" cap="none" baseline="0" dirty="0">
                 <a:solidFill>
                   <a:srgbClr val="FF00FF"/>
                 </a:solidFill>
@@ -8529,7 +8549,7 @@
               <a:t>max</a:t>
             </a:r>
             <a:r>
-              <a:rPr lang="pl" sz="4900" b="0" i="0" u="none" strike="noStrike" cap="none" baseline="0">
+              <a:rPr lang="pl" sz="4900" b="0" i="0" u="none" strike="noStrike" cap="none" baseline="0" dirty="0">
                 <a:solidFill>
                   <a:schemeClr val="lt1"/>
                 </a:solidFill>
@@ -8541,7 +8561,7 @@
               <a:t>(</a:t>
             </a:r>
             <a:r>
-              <a:rPr lang="pl" sz="4900" b="0" i="0" u="none" strike="noStrike" cap="none" baseline="0">
+              <a:rPr lang="pl" sz="4900" b="0" i="0" u="none" strike="noStrike" cap="none" baseline="0" dirty="0">
                 <a:solidFill>
                   <a:srgbClr val="FF7F00"/>
                 </a:solidFill>
@@ -8550,10 +8570,34 @@
                 <a:cs typeface="Arial" charset="0"/>
                 <a:sym typeface="Cabin"/>
               </a:rPr>
-              <a:t>'Witaj świecie'</a:t>
-            </a:r>
-            <a:r>
-              <a:rPr lang="pl" sz="4900" b="0" i="0" u="none" strike="noStrike" cap="none" baseline="0">
+              <a:t>'</a:t>
+            </a:r>
+            <a:r>
+              <a:rPr lang="pl-PL" sz="4900" b="0" i="0" u="none" strike="noStrike" cap="none" baseline="0" dirty="0">
+                <a:solidFill>
+                  <a:srgbClr val="FF7F00"/>
+                </a:solidFill>
+                <a:latin typeface="Arial" charset="0"/>
+                <a:ea typeface="Arial" charset="0"/>
+                <a:cs typeface="Arial" charset="0"/>
+                <a:sym typeface="Cabin"/>
+              </a:rPr>
+              <a:t>powitanie w bramie</a:t>
+            </a:r>
+            <a:r>
+              <a:rPr lang="pl" sz="4900" b="0" i="0" u="none" strike="noStrike" cap="none" baseline="0" dirty="0">
+                <a:solidFill>
+                  <a:srgbClr val="FF7F00"/>
+                </a:solidFill>
+                <a:latin typeface="Arial" charset="0"/>
+                <a:ea typeface="Arial" charset="0"/>
+                <a:cs typeface="Arial" charset="0"/>
+                <a:sym typeface="Cabin"/>
+              </a:rPr>
+              <a:t>'</a:t>
+            </a:r>
+            <a:r>
+              <a:rPr lang="pl" sz="4900" b="0" i="0" u="none" strike="noStrike" cap="none" baseline="0" dirty="0">
                 <a:solidFill>
                   <a:schemeClr val="lt1"/>
                 </a:solidFill>
@@ -12323,7 +12367,7 @@
         <p:spPr>
           <a:xfrm>
             <a:off x="1155700" y="2908300"/>
-            <a:ext cx="7557000" cy="1663800"/>
+            <a:ext cx="7961004" cy="1663800"/>
           </a:xfrm>
           <a:prstGeom prst="rect">
             <a:avLst/>
@@ -12357,7 +12401,7 @@
               <a:buNone/>
             </a:pPr>
             <a:r>
-              <a:rPr lang="pl" sz="3000" b="0" i="0" u="none" strike="noStrike" cap="none" baseline="0">
+              <a:rPr lang="pl" sz="3000" b="0" i="0" u="none" strike="noStrike" cap="none" baseline="0" dirty="0">
                 <a:solidFill>
                   <a:schemeClr val="lt1"/>
                 </a:solidFill>
@@ -12369,7 +12413,7 @@
               <a:t>&gt;&gt;&gt; </a:t>
             </a:r>
             <a:r>
-              <a:rPr lang="pl" sz="3000" b="0" i="0" u="none" strike="noStrike" cap="none" baseline="0">
+              <a:rPr lang="pl" sz="3000" b="0" i="0" u="none" strike="noStrike" cap="none" baseline="0" dirty="0">
                 <a:solidFill>
                   <a:srgbClr val="00FF00"/>
                 </a:solidFill>
@@ -12381,7 +12425,7 @@
               <a:t>xl</a:t>
             </a:r>
             <a:r>
-              <a:rPr lang="pl" sz="3000" b="0" i="0" u="none" strike="noStrike" cap="none" baseline="0">
+              <a:rPr lang="pl" sz="3000" b="0" i="0" u="none" strike="noStrike" cap="none" baseline="0" dirty="0">
                 <a:solidFill>
                   <a:schemeClr val="lt1"/>
                 </a:solidFill>
@@ -12393,7 +12437,7 @@
               <a:t> = </a:t>
             </a:r>
             <a:r>
-              <a:rPr lang="pl" sz="3000" b="0" i="0" u="none" strike="noStrike" cap="none" baseline="0">
+              <a:rPr lang="pl" sz="3000" b="0" i="0" u="none" strike="noStrike" cap="none" baseline="0" dirty="0">
                 <a:solidFill>
                   <a:srgbClr val="FF00FF"/>
                 </a:solidFill>
@@ -12405,16 +12449,40 @@
               <a:t>max</a:t>
             </a:r>
             <a:r>
-              <a:rPr lang="pl" sz="3000" b="0" i="0" u="none" strike="noStrike" cap="none" baseline="0">
-                <a:solidFill>
-                  <a:schemeClr val="lt1"/>
-                </a:solidFill>
-                <a:latin typeface="Courier"/>
-                <a:ea typeface="Courier"/>
-                <a:cs typeface="Courier"/>
-                <a:sym typeface="Courier New"/>
-              </a:rPr>
-              <a:t>('Witaj świecie')</a:t>
+              <a:rPr lang="pl" sz="3000" b="0" i="0" u="none" strike="noStrike" cap="none" baseline="0" dirty="0">
+                <a:solidFill>
+                  <a:schemeClr val="lt1"/>
+                </a:solidFill>
+                <a:latin typeface="Courier"/>
+                <a:ea typeface="Courier"/>
+                <a:cs typeface="Courier"/>
+                <a:sym typeface="Courier New"/>
+              </a:rPr>
+              <a:t>('</a:t>
+            </a:r>
+            <a:r>
+              <a:rPr lang="pl-PL" sz="3000" b="0" i="0" u="none" strike="noStrike" cap="none" baseline="0" dirty="0">
+                <a:solidFill>
+                  <a:schemeClr val="lt1"/>
+                </a:solidFill>
+                <a:latin typeface="Courier"/>
+                <a:ea typeface="Courier"/>
+                <a:cs typeface="Courier"/>
+                <a:sym typeface="Courier New"/>
+              </a:rPr>
+              <a:t>powitanie w bramie</a:t>
+            </a:r>
+            <a:r>
+              <a:rPr lang="pl" sz="3000" b="0" i="0" u="none" strike="noStrike" cap="none" baseline="0" dirty="0">
+                <a:solidFill>
+                  <a:schemeClr val="lt1"/>
+                </a:solidFill>
+                <a:latin typeface="Courier"/>
+                <a:ea typeface="Courier"/>
+                <a:cs typeface="Courier"/>
+                <a:sym typeface="Courier New"/>
+              </a:rPr>
+              <a:t>')</a:t>
             </a:r>
           </a:p>
           <a:p>
@@ -12436,7 +12504,7 @@
               <a:buNone/>
             </a:pPr>
             <a:r>
-              <a:rPr lang="pl" sz="3000" b="0" i="0" u="none" strike="noStrike" cap="none" baseline="0">
+              <a:rPr lang="pl" sz="3000" b="0" i="0" u="none" strike="noStrike" cap="none" baseline="0" dirty="0">
                 <a:solidFill>
                   <a:schemeClr val="lt1"/>
                 </a:solidFill>
@@ -12448,7 +12516,7 @@
               <a:t>&gt;&gt;&gt; </a:t>
             </a:r>
             <a:r>
-              <a:rPr lang="pl" sz="3000" b="0" i="0" u="none" strike="noStrike" cap="none" baseline="0">
+              <a:rPr lang="pl" sz="3000" b="0" i="0" u="none" strike="noStrike" cap="none" baseline="0" dirty="0">
                 <a:solidFill>
                   <a:srgbClr val="FFFF00"/>
                 </a:solidFill>
@@ -12460,7 +12528,7 @@
               <a:t>print</a:t>
             </a:r>
             <a:r>
-              <a:rPr lang="pl" sz="3000" b="0" i="0" u="none" baseline="0">
+              <a:rPr lang="pl" sz="3000" b="0" i="0" u="none" baseline="0" dirty="0">
                 <a:solidFill>
                   <a:schemeClr val="lt1"/>
                 </a:solidFill>
@@ -12472,7 +12540,7 @@
               <a:t>(</a:t>
             </a:r>
             <a:r>
-              <a:rPr lang="pl" sz="3000" b="0" i="0" u="none" strike="noStrike" cap="none" baseline="0">
+              <a:rPr lang="pl" sz="3000" b="0" i="0" u="none" strike="noStrike" cap="none" baseline="0" dirty="0">
                 <a:solidFill>
                   <a:srgbClr val="00FF00"/>
                 </a:solidFill>
@@ -12484,7 +12552,7 @@
               <a:t>xl</a:t>
             </a:r>
             <a:r>
-              <a:rPr lang="pl" sz="3000" b="0" i="0" u="none" strike="noStrike" cap="none" baseline="0">
+              <a:rPr lang="pl" sz="3000" b="0" i="0" u="none" strike="noStrike" cap="none" baseline="0" dirty="0">
                 <a:solidFill>
                   <a:schemeClr val="bg1"/>
                 </a:solidFill>
@@ -12515,7 +12583,7 @@
               <a:buNone/>
             </a:pPr>
             <a:r>
-              <a:rPr lang="pl" sz="3000" b="0" i="0" u="none" strike="noStrike" cap="none" baseline="0">
+              <a:rPr lang="pl" sz="3000" b="0" i="0" u="none" strike="noStrike" cap="none" baseline="0" dirty="0">
                 <a:solidFill>
                   <a:srgbClr val="00FF00"/>
                 </a:solidFill>
@@ -12998,8 +13066,8 @@
         </p:nvSpPr>
         <p:spPr>
           <a:xfrm>
-            <a:off x="3530600" y="5283200"/>
-            <a:ext cx="2849562" cy="622299"/>
+            <a:off x="1978925" y="5283200"/>
+            <a:ext cx="4401237" cy="622299"/>
           </a:xfrm>
           <a:prstGeom prst="rect">
             <a:avLst/>
@@ -13033,7 +13101,7 @@
               <a:buNone/>
             </a:pPr>
             <a:r>
-              <a:rPr lang="pl" sz="3600" b="0" i="0" u="none" baseline="0">
+              <a:rPr lang="pl" sz="3600" b="0" i="0" u="none" baseline="0" dirty="0">
                 <a:solidFill>
                   <a:srgbClr val="FF7F00"/>
                 </a:solidFill>
@@ -13041,7 +13109,7 @@
               <a:t>'</a:t>
             </a:r>
             <a:r>
-              <a:rPr lang="pl" sz="3600" b="0" i="0" u="none" strike="noStrike" cap="none" baseline="0">
+              <a:rPr lang="pl-PL" sz="3600" b="0" i="0" u="none" strike="noStrike" cap="none" baseline="0" dirty="0">
                 <a:solidFill>
                   <a:srgbClr val="FF7F00"/>
                 </a:solidFill>
@@ -13050,10 +13118,10 @@
                 <a:cs typeface="Arial" charset="0"/>
                 <a:sym typeface="Cabin"/>
               </a:rPr>
-              <a:t>Witaj świecie</a:t>
-            </a:r>
-            <a:r>
-              <a:rPr lang="pl" sz="3600" b="0" i="0" u="none" baseline="0">
+              <a:t>powitanie w bramie</a:t>
+            </a:r>
+            <a:r>
+              <a:rPr lang="pl" sz="3600" b="0" i="0" u="none" baseline="0" dirty="0">
                 <a:solidFill>
                   <a:srgbClr val="FF7F00"/>
                 </a:solidFill>
@@ -13061,7 +13129,7 @@
               <a:t>'</a:t>
             </a:r>
             <a:r>
-              <a:rPr lang="pl" sz="3600" b="0" i="0" u="none" strike="noStrike" cap="none" baseline="0">
+              <a:rPr lang="pl" sz="3600" b="0" i="0" u="none" strike="noStrike" cap="none" baseline="0" dirty="0">
                 <a:solidFill>
                   <a:srgbClr val="FF7F00"/>
                 </a:solidFill>
@@ -13787,7 +13855,7 @@
               <a:buNone/>
             </a:pPr>
             <a:r>
-              <a:rPr lang="pl" sz="3600" b="0" i="0" u="none" strike="noStrike" cap="none" baseline="0">
+              <a:rPr lang="pl" sz="3600" b="0" i="0" u="none" strike="noStrike" cap="none" baseline="0" dirty="0">
                 <a:solidFill>
                   <a:schemeClr val="lt1"/>
                 </a:solidFill>
@@ -13841,7 +13909,7 @@
               <a:buNone/>
             </a:pPr>
             <a:r>
-              <a:rPr lang="pl" sz="2500" b="0" i="0" u="none" strike="noStrike" cap="none" baseline="0">
+              <a:rPr lang="pl" sz="2500" b="0" i="0" u="none" strike="noStrike" cap="none" baseline="0" dirty="0">
                 <a:solidFill>
                   <a:srgbClr val="FFFF00"/>
                 </a:solidFill>
@@ -13853,7 +13921,7 @@
               <a:t>def</a:t>
             </a:r>
             <a:r>
-              <a:rPr lang="pl" sz="2500" b="0" i="0" u="none" strike="noStrike" cap="none" baseline="0">
+              <a:rPr lang="pl" sz="2500" b="0" i="0" u="none" strike="noStrike" cap="none" baseline="0" dirty="0">
                 <a:solidFill>
                   <a:srgbClr val="FF7F00"/>
                 </a:solidFill>
@@ -13862,7 +13930,31 @@
                 <a:cs typeface="Courier"/>
                 <a:sym typeface="Courier New"/>
               </a:rPr>
-              <a:t> coś():</a:t>
+              <a:t> </a:t>
+            </a:r>
+            <a:r>
+              <a:rPr lang="en-US" sz="2500" dirty="0" err="1">
+                <a:solidFill>
+                  <a:srgbClr val="FF7F00"/>
+                </a:solidFill>
+                <a:latin typeface="Courier"/>
+                <a:ea typeface="Courier"/>
+                <a:cs typeface="Courier"/>
+                <a:sym typeface="Courier New"/>
+              </a:rPr>
+              <a:t>dynks</a:t>
+            </a:r>
+            <a:r>
+              <a:rPr lang="pl" sz="2500" b="0" i="0" u="none" strike="noStrike" cap="none" baseline="0" dirty="0">
+                <a:solidFill>
+                  <a:srgbClr val="FF7F00"/>
+                </a:solidFill>
+                <a:latin typeface="Courier"/>
+                <a:ea typeface="Courier"/>
+                <a:cs typeface="Courier"/>
+                <a:sym typeface="Courier New"/>
+              </a:rPr>
+              <a:t>():</a:t>
             </a:r>
           </a:p>
           <a:p>
@@ -13884,7 +13976,7 @@
               <a:buNone/>
             </a:pPr>
             <a:r>
-              <a:rPr lang="pl" sz="2500" b="0" i="0" u="none" strike="noStrike" cap="none" baseline="0">
+              <a:rPr lang="pl" sz="2500" b="0" i="0" u="none" strike="noStrike" cap="none" baseline="0" dirty="0">
                 <a:solidFill>
                   <a:srgbClr val="FF7F00"/>
                 </a:solidFill>
@@ -13896,7 +13988,7 @@
               <a:t>    </a:t>
             </a:r>
             <a:r>
-              <a:rPr lang="pl" sz="2500" b="0" i="0" u="none" strike="noStrike" cap="none" baseline="0">
+              <a:rPr lang="pl" sz="2500" b="0" i="0" u="none" strike="noStrike" cap="none" baseline="0" dirty="0">
                 <a:solidFill>
                   <a:srgbClr val="FFFF00"/>
                 </a:solidFill>
@@ -13908,7 +14000,7 @@
               <a:t>print</a:t>
             </a:r>
             <a:r>
-              <a:rPr lang="pl" sz="2500" b="0" i="0" u="none" baseline="0">
+              <a:rPr lang="pl" sz="2500" b="0" i="0" u="none" baseline="0" dirty="0">
                 <a:solidFill>
                   <a:srgbClr val="FF7F00"/>
                 </a:solidFill>
@@ -13920,7 +14012,7 @@
               <a:t>(</a:t>
             </a:r>
             <a:r>
-              <a:rPr lang="pl" sz="2500" b="0" i="0" u="none" strike="noStrike" cap="none" baseline="0">
+              <a:rPr lang="pl" sz="2500" b="0" i="0" u="none" strike="noStrike" cap="none" baseline="0" dirty="0">
                 <a:solidFill>
                   <a:srgbClr val="FF7F00"/>
                 </a:solidFill>
@@ -13932,7 +14024,7 @@
               <a:t>'Halo</a:t>
             </a:r>
             <a:r>
-              <a:rPr lang="pl" sz="2500" b="0" i="0" u="none" baseline="0">
+              <a:rPr lang="pl" sz="2500" b="0" i="0" u="none" baseline="0" dirty="0">
                 <a:solidFill>
                   <a:srgbClr val="FF7F00"/>
                 </a:solidFill>
@@ -13972,7 +14064,7 @@
               <a:buNone/>
             </a:pPr>
             <a:r>
-              <a:rPr lang="pl" sz="2500" b="0" i="0" u="none" strike="noStrike" cap="none" baseline="0">
+              <a:rPr lang="pl" sz="2500" b="0" i="0" u="none" strike="noStrike" cap="none" baseline="0" dirty="0">
                 <a:solidFill>
                   <a:srgbClr val="FF7F00"/>
                 </a:solidFill>
@@ -13984,7 +14076,7 @@
               <a:t>    </a:t>
             </a:r>
             <a:r>
-              <a:rPr lang="pl" sz="2500" b="0" i="0" u="none" strike="noStrike" cap="none" baseline="0">
+              <a:rPr lang="pl" sz="2500" b="0" i="0" u="none" strike="noStrike" cap="none" baseline="0" dirty="0">
                 <a:solidFill>
                   <a:srgbClr val="FFFF00"/>
                 </a:solidFill>
@@ -13996,7 +14088,7 @@
               <a:t>print</a:t>
             </a:r>
             <a:r>
-              <a:rPr lang="pl" sz="2500" b="0" i="0" u="none" baseline="0">
+              <a:rPr lang="pl" sz="2500" b="0" i="0" u="none" baseline="0" dirty="0">
                 <a:solidFill>
                   <a:srgbClr val="FF7F00"/>
                 </a:solidFill>
@@ -14008,7 +14100,7 @@
               <a:t>(</a:t>
             </a:r>
             <a:r>
-              <a:rPr lang="pl" sz="2500" b="0" i="0" u="none" strike="noStrike" cap="none" baseline="0">
+              <a:rPr lang="pl" sz="2500" b="0" i="0" u="none" strike="noStrike" cap="none" baseline="0" dirty="0">
                 <a:solidFill>
                   <a:srgbClr val="FF7F00"/>
                 </a:solidFill>
@@ -14020,7 +14112,7 @@
               <a:t>'Fajnie</a:t>
             </a:r>
             <a:r>
-              <a:rPr lang="pl" sz="2500" b="0" i="0" u="none" baseline="0">
+              <a:rPr lang="pl" sz="2500" b="0" i="0" u="none" baseline="0" dirty="0">
                 <a:solidFill>
                   <a:srgbClr val="FF7F00"/>
                 </a:solidFill>
@@ -14060,7 +14152,7 @@
               <a:buNone/>
             </a:pPr>
             <a:r>
-              <a:rPr lang="pl" sz="2500" b="0" i="0" u="none" strike="noStrike" cap="none" baseline="0">
+              <a:rPr lang="pl" sz="2500" b="0" i="0" u="none" strike="noStrike" cap="none" baseline="0" dirty="0">
                 <a:solidFill>
                   <a:srgbClr val="FF7F00"/>
                 </a:solidFill>
@@ -14091,7 +14183,7 @@
               <a:buNone/>
             </a:pPr>
             <a:r>
-              <a:rPr lang="pl" sz="2500" b="0" i="0" u="none" strike="noStrike" cap="none" baseline="0">
+              <a:rPr lang="en-US" sz="2500" dirty="0" err="1">
                 <a:solidFill>
                   <a:srgbClr val="FF7F00"/>
                 </a:solidFill>
@@ -14100,7 +14192,19 @@
                 <a:cs typeface="Courier"/>
                 <a:sym typeface="Courier New"/>
               </a:rPr>
-              <a:t>coś()</a:t>
+              <a:t>dynks</a:t>
+            </a:r>
+            <a:r>
+              <a:rPr lang="pl" sz="2500" b="0" i="0" u="none" strike="noStrike" cap="none" baseline="0" dirty="0">
+                <a:solidFill>
+                  <a:srgbClr val="FF7F00"/>
+                </a:solidFill>
+                <a:latin typeface="Courier"/>
+                <a:ea typeface="Courier"/>
+                <a:cs typeface="Courier"/>
+                <a:sym typeface="Courier New"/>
+              </a:rPr>
+              <a:t>()</a:t>
             </a:r>
           </a:p>
           <a:p>
@@ -14122,7 +14226,7 @@
               <a:buNone/>
             </a:pPr>
             <a:r>
-              <a:rPr lang="pl" sz="2500" b="0" i="0" u="none" strike="noStrike" cap="none" baseline="0">
+              <a:rPr lang="pl" sz="2500" b="0" i="0" u="none" strike="noStrike" cap="none" baseline="0" dirty="0">
                 <a:solidFill>
                   <a:srgbClr val="FFFF00"/>
                 </a:solidFill>
@@ -14134,7 +14238,7 @@
               <a:t>print</a:t>
             </a:r>
             <a:r>
-              <a:rPr lang="pl" sz="2500" b="0" i="0" u="none" baseline="0">
+              <a:rPr lang="pl" sz="2500" b="0" i="0" u="none" baseline="0" dirty="0">
                 <a:solidFill>
                   <a:srgbClr val="FF7F00"/>
                 </a:solidFill>
@@ -14146,7 +14250,7 @@
               <a:t>(</a:t>
             </a:r>
             <a:r>
-              <a:rPr lang="pl" sz="2500" b="0" i="0" u="none" strike="noStrike" cap="none" baseline="0">
+              <a:rPr lang="pl" sz="2500" b="0" i="0" u="none" strike="noStrike" cap="none" baseline="0" dirty="0">
                 <a:solidFill>
                   <a:srgbClr val="FF7F00"/>
                 </a:solidFill>
@@ -14158,7 +14262,7 @@
               <a:t>'Cyk</a:t>
             </a:r>
             <a:r>
-              <a:rPr lang="pl" sz="2500" b="0" i="0" u="none" baseline="0">
+              <a:rPr lang="pl" sz="2500" b="0" i="0" u="none" baseline="0" dirty="0">
                 <a:solidFill>
                   <a:srgbClr val="FF7F00"/>
                 </a:solidFill>
@@ -14167,7 +14271,7 @@
                 <a:cs typeface="Courier"/>
                 <a:sym typeface="Courier New"/>
               </a:rPr>
-              <a:t>')</a:t>
+              <a:t>’)</a:t>
             </a:r>
             <a:endParaRPr lang="pl" sz="2500" dirty="0">
               <a:solidFill>
@@ -14198,7 +14302,7 @@
               <a:buNone/>
             </a:pPr>
             <a:r>
-              <a:rPr lang="pl" sz="2500" b="0" i="0" u="none" strike="noStrike" cap="none" baseline="0">
+              <a:rPr lang="en-US" sz="2500" dirty="0" err="1">
                 <a:solidFill>
                   <a:srgbClr val="FF7F00"/>
                 </a:solidFill>
@@ -14207,7 +14311,19 @@
                 <a:cs typeface="Courier"/>
                 <a:sym typeface="Courier New"/>
               </a:rPr>
-              <a:t>coś()</a:t>
+              <a:t>dynks</a:t>
+            </a:r>
+            <a:r>
+              <a:rPr lang="pl" sz="2500" b="0" i="0" u="none" strike="noStrike" cap="none" baseline="0" dirty="0">
+                <a:solidFill>
+                  <a:srgbClr val="FF7F00"/>
+                </a:solidFill>
+                <a:latin typeface="Courier"/>
+                <a:ea typeface="Courier"/>
+                <a:cs typeface="Courier"/>
+                <a:sym typeface="Courier New"/>
+              </a:rPr>
+              <a:t>()</a:t>
             </a:r>
           </a:p>
         </p:txBody>
@@ -14551,19 +14667,19 @@
               <a:buNone/>
             </a:pPr>
             <a:r>
-              <a:rPr lang="pl" sz="3500" b="0" i="0" u="none" baseline="0">
-                <a:solidFill>
-                  <a:schemeClr val="lt1"/>
-                </a:solidFill>
-                <a:latin typeface="Arial" charset="0"/>
-                <a:ea typeface="Arial" charset="0"/>
-                <a:cs typeface="Arial" charset="0"/>
-                <a:sym typeface="Cabin"/>
-              </a:rPr>
-              <a:t>thing</a:t>
-            </a:r>
-            <a:r>
-              <a:rPr lang="pl" sz="3500" b="0" i="0" u="none" strike="noStrike" cap="none" baseline="0">
+              <a:rPr lang="en-US" sz="3500" b="0" i="0" u="none" baseline="0" dirty="0" err="1">
+                <a:solidFill>
+                  <a:schemeClr val="lt1"/>
+                </a:solidFill>
+                <a:latin typeface="Arial" charset="0"/>
+                <a:ea typeface="Arial" charset="0"/>
+                <a:cs typeface="Arial" charset="0"/>
+                <a:sym typeface="Cabin"/>
+              </a:rPr>
+              <a:t>dynks</a:t>
+            </a:r>
+            <a:r>
+              <a:rPr lang="pl" sz="3500" b="0" i="0" u="none" strike="noStrike" cap="none" baseline="0" dirty="0">
                 <a:solidFill>
                   <a:schemeClr val="lt1"/>
                 </a:solidFill>
@@ -14813,19 +14929,19 @@
               <a:buNone/>
             </a:pPr>
             <a:r>
-              <a:rPr lang="pl" sz="3600" b="0" i="0" u="none" baseline="0">
-                <a:solidFill>
-                  <a:schemeClr val="lt1"/>
-                </a:solidFill>
-                <a:latin typeface="Arial" charset="0"/>
-                <a:ea typeface="Arial" charset="0"/>
-                <a:cs typeface="Arial" charset="0"/>
-                <a:sym typeface="Cabin"/>
-              </a:rPr>
-              <a:t>coś</a:t>
-            </a:r>
-            <a:r>
-              <a:rPr lang="pl" sz="3600" b="0" i="0" u="none" strike="noStrike" cap="none" baseline="0">
+              <a:rPr lang="en-US" sz="3600" b="0" i="0" u="none" baseline="0" dirty="0" err="1">
+                <a:solidFill>
+                  <a:schemeClr val="lt1"/>
+                </a:solidFill>
+                <a:latin typeface="Arial" charset="0"/>
+                <a:ea typeface="Arial" charset="0"/>
+                <a:cs typeface="Arial" charset="0"/>
+                <a:sym typeface="Cabin"/>
+              </a:rPr>
+              <a:t>dynks</a:t>
+            </a:r>
+            <a:r>
+              <a:rPr lang="pl" sz="3600" b="0" i="0" u="none" strike="noStrike" cap="none" baseline="0" dirty="0">
                 <a:solidFill>
                   <a:schemeClr val="lt1"/>
                 </a:solidFill>
@@ -14888,19 +15004,19 @@
               <a:buNone/>
             </a:pPr>
             <a:r>
-              <a:rPr lang="pl" sz="3500" b="0" i="0" u="none" baseline="0">
-                <a:solidFill>
-                  <a:schemeClr val="lt1"/>
-                </a:solidFill>
-                <a:latin typeface="Arial" charset="0"/>
-                <a:ea typeface="Arial" charset="0"/>
-                <a:cs typeface="Arial" charset="0"/>
-                <a:sym typeface="Cabin"/>
-              </a:rPr>
-              <a:t>coś</a:t>
-            </a:r>
-            <a:r>
-              <a:rPr lang="pl" sz="3500" b="0" i="0" u="none" strike="noStrike" cap="none" baseline="0">
+              <a:rPr lang="en-US" sz="3500" b="0" i="0" u="none" baseline="0" dirty="0" err="1">
+                <a:solidFill>
+                  <a:schemeClr val="lt1"/>
+                </a:solidFill>
+                <a:latin typeface="Arial" charset="0"/>
+                <a:ea typeface="Arial" charset="0"/>
+                <a:cs typeface="Arial" charset="0"/>
+                <a:sym typeface="Cabin"/>
+              </a:rPr>
+              <a:t>dynks</a:t>
+            </a:r>
+            <a:r>
+              <a:rPr lang="pl" sz="3500" b="0" i="0" u="none" strike="noStrike" cap="none" baseline="0" dirty="0">
                 <a:solidFill>
                   <a:schemeClr val="lt1"/>
                 </a:solidFill>
@@ -17730,8 +17846,85 @@
                   <a:srgbClr val="FFFFFF"/>
                 </a:solidFill>
               </a:rPr>
-              <a:t>Autorstwo pierwszej wersji: Charles Severance, University of Michigan School of Information</a:t>
-            </a:r>
+              <a:t>Autorstwo pierwszej wersji: Charles Severance, </a:t>
+            </a:r>
+            <a:br>
+              <a:rPr lang="en-US" sz="1800" b="0" i="0" u="none" baseline="0" dirty="0">
+                <a:solidFill>
+                  <a:srgbClr val="FFFFFF"/>
+                </a:solidFill>
+              </a:rPr>
+            </a:br>
+            <a:r>
+              <a:rPr lang="pl" sz="1800" b="0" i="0" u="none" baseline="0" dirty="0">
+                <a:solidFill>
+                  <a:srgbClr val="FFFFFF"/>
+                </a:solidFill>
+              </a:rPr>
+              <a:t>University of Michigan School of Information</a:t>
+            </a:r>
+            <a:endParaRPr lang="en-US" sz="1800" b="0" i="0" u="none" baseline="0" dirty="0">
+              <a:solidFill>
+                <a:srgbClr val="FFFFFF"/>
+              </a:solidFill>
+            </a:endParaRPr>
+          </a:p>
+          <a:p>
+            <a:pPr lvl="0" algn="l" rtl="0">
+              <a:spcBef>
+                <a:spcPts val="0"/>
+              </a:spcBef>
+              <a:buNone/>
+            </a:pPr>
+            <a:endParaRPr lang="en-US" sz="1800" dirty="0">
+              <a:solidFill>
+                <a:srgbClr val="FFFFFF"/>
+              </a:solidFill>
+            </a:endParaRPr>
+          </a:p>
+          <a:p>
+            <a:pPr lvl="0" algn="l" rtl="0">
+              <a:spcBef>
+                <a:spcPts val="0"/>
+              </a:spcBef>
+              <a:buNone/>
+            </a:pPr>
+            <a:r>
+              <a:rPr lang="pl-PL" sz="1800" dirty="0">
+                <a:solidFill>
+                  <a:srgbClr val="FFFFFF"/>
+                </a:solidFill>
+              </a:rPr>
+              <a:t>Polska wersja powstała z inicjatywy Wydziału Matematyki </a:t>
+            </a:r>
+            <a:br>
+              <a:rPr lang="en-US" sz="1800" dirty="0">
+                <a:solidFill>
+                  <a:srgbClr val="FFFFFF"/>
+                </a:solidFill>
+              </a:rPr>
+            </a:br>
+            <a:r>
+              <a:rPr lang="pl-PL" sz="1800" dirty="0">
+                <a:solidFill>
+                  <a:srgbClr val="FFFFFF"/>
+                </a:solidFill>
+              </a:rPr>
+              <a:t>i Informatyki Uniwersytetu im. </a:t>
+            </a:r>
+            <a:r>
+              <a:rPr lang="pl-PL" sz="1800">
+                <a:solidFill>
+                  <a:srgbClr val="FFFFFF"/>
+                </a:solidFill>
+              </a:rPr>
+              <a:t>Adama Mickiewicza w Poznaniu</a:t>
+            </a:r>
+            <a:endParaRPr lang="en-US" sz="1800" dirty="0">
+              <a:solidFill>
+                <a:srgbClr val="FFFFFF"/>
+              </a:solidFill>
+            </a:endParaRPr>
           </a:p>
           <a:p>
             <a:pPr lvl="0" algn="l" rtl="0">
@@ -17759,23 +17952,7 @@
                   <a:srgbClr val="FFFFFF"/>
                 </a:solidFill>
               </a:rPr>
-              <a:t>Tłumaczenie</a:t>
-            </a:r>
-            <a:r>
-              <a:rPr lang="pl" sz="1800" b="0" i="0" u="none" baseline="0">
-                <a:solidFill>
-                  <a:srgbClr val="FFFFFF"/>
-                </a:solidFill>
-              </a:rPr>
-              <a:t>: Agata i Krzysztof Wierzbiccy</a:t>
-            </a:r>
-            <a:r>
-              <a:rPr lang="pl" sz="1800" b="0" i="0" u="none" baseline="0" dirty="0">
-                <a:solidFill>
-                  <a:srgbClr val="FFFFFF"/>
-                </a:solidFill>
-              </a:rPr>
-              <a:t>, EnglishT.eu </a:t>
+              <a:t>Tłumaczenie: Agata i Krzysztof Wierzbiccy, EnglishT.eu </a:t>
             </a:r>
           </a:p>
           <a:p>
@@ -18087,7 +18264,31 @@
                 <a:cs typeface="Arial" charset="0"/>
                 <a:sym typeface="Cabin"/>
               </a:rPr>
-              <a:t>input(), type(), float(), int() ...</a:t>
+              <a:t>input(), type(), float(), int()</a:t>
+            </a:r>
+            <a:r>
+              <a:rPr lang="en-US" sz="3600" b="0" i="0" u="none" strike="noStrike" cap="none" baseline="0" dirty="0">
+                <a:solidFill>
+                  <a:srgbClr val="FFFFFF"/>
+                </a:solidFill>
+                <a:latin typeface="Arial" charset="0"/>
+                <a:ea typeface="Arial" charset="0"/>
+                <a:cs typeface="Arial" charset="0"/>
+                <a:sym typeface="Cabin"/>
+              </a:rPr>
+              <a:t>,</a:t>
+            </a:r>
+            <a:r>
+              <a:rPr lang="pl" sz="3600" b="0" i="0" u="none" strike="noStrike" cap="none" baseline="0" dirty="0">
+                <a:solidFill>
+                  <a:srgbClr val="FFFFFF"/>
+                </a:solidFill>
+                <a:latin typeface="Arial" charset="0"/>
+                <a:ea typeface="Arial" charset="0"/>
+                <a:cs typeface="Arial" charset="0"/>
+                <a:sym typeface="Cabin"/>
+              </a:rPr>
+              <a:t> ...</a:t>
             </a:r>
           </a:p>
           <a:p>
@@ -18636,7 +18837,7 @@
                 <a:cs typeface="Arial" charset="0"/>
                 <a:sym typeface="Cabin"/>
               </a:rPr>
-              <a:t> i </a:t>
+              <a:t>i </a:t>
             </a:r>
             <a:r>
               <a:rPr lang="pl" sz="3600" b="0" i="0" u="none" strike="noStrike" baseline="0" dirty="0">
@@ -18686,8 +18887,8 @@
         </p:nvSpPr>
         <p:spPr>
           <a:xfrm>
-            <a:off x="8564550" y="4876800"/>
-            <a:ext cx="6984899" cy="3302100"/>
+            <a:off x="7588155" y="4876800"/>
+            <a:ext cx="8338781" cy="3302100"/>
           </a:xfrm>
           <a:prstGeom prst="rect">
             <a:avLst/>
@@ -18721,7 +18922,7 @@
               <a:buNone/>
             </a:pPr>
             <a:r>
-              <a:rPr lang="pl" sz="3000" b="0" i="0" u="none" strike="noStrike" cap="none" baseline="0">
+              <a:rPr lang="pl" sz="3000" b="0" i="0" u="none" strike="noStrike" cap="none" baseline="0" dirty="0">
                 <a:solidFill>
                   <a:schemeClr val="lt1"/>
                 </a:solidFill>
@@ -18733,7 +18934,7 @@
               <a:t>&gt;&gt;&gt; </a:t>
             </a:r>
             <a:r>
-              <a:rPr lang="pl" sz="3000" b="0" i="0" u="none" strike="noStrike" cap="none" baseline="0">
+              <a:rPr lang="pl" sz="3000" b="0" i="0" u="none" strike="noStrike" cap="none" baseline="0" dirty="0">
                 <a:solidFill>
                   <a:srgbClr val="00FF00"/>
                 </a:solidFill>
@@ -18745,7 +18946,7 @@
               <a:t>xl</a:t>
             </a:r>
             <a:r>
-              <a:rPr lang="pl" sz="3000" b="0" i="0" u="none" strike="noStrike" cap="none" baseline="0">
+              <a:rPr lang="pl" sz="3000" b="0" i="0" u="none" strike="noStrike" cap="none" baseline="0" dirty="0">
                 <a:solidFill>
                   <a:schemeClr val="lt1"/>
                 </a:solidFill>
@@ -18757,7 +18958,7 @@
               <a:t> = </a:t>
             </a:r>
             <a:r>
-              <a:rPr lang="pl" sz="3000" b="0" i="0" u="none" strike="noStrike" cap="none" baseline="0">
+              <a:rPr lang="pl" sz="3000" b="0" i="0" u="none" strike="noStrike" cap="none" baseline="0" dirty="0">
                 <a:solidFill>
                   <a:srgbClr val="FF00FF"/>
                 </a:solidFill>
@@ -18769,16 +18970,40 @@
               <a:t>max</a:t>
             </a:r>
             <a:r>
-              <a:rPr lang="pl" sz="3000" b="0" i="0" u="none" strike="noStrike" cap="none" baseline="0">
-                <a:solidFill>
-                  <a:schemeClr val="lt1"/>
-                </a:solidFill>
-                <a:latin typeface="Courier"/>
-                <a:ea typeface="Courier"/>
-                <a:cs typeface="Courier"/>
-                <a:sym typeface="Courier New"/>
-              </a:rPr>
-              <a:t>('Witaj świecie')</a:t>
+              <a:rPr lang="pl" sz="3000" b="0" i="0" u="none" strike="noStrike" cap="none" baseline="0" dirty="0">
+                <a:solidFill>
+                  <a:schemeClr val="lt1"/>
+                </a:solidFill>
+                <a:latin typeface="Courier"/>
+                <a:ea typeface="Courier"/>
+                <a:cs typeface="Courier"/>
+                <a:sym typeface="Courier New"/>
+              </a:rPr>
+              <a:t>('</a:t>
+            </a:r>
+            <a:r>
+              <a:rPr lang="pl-PL" sz="3000" b="0" i="0" u="none" strike="noStrike" cap="none" baseline="0" dirty="0">
+                <a:solidFill>
+                  <a:schemeClr val="lt1"/>
+                </a:solidFill>
+                <a:latin typeface="Courier"/>
+                <a:ea typeface="Courier"/>
+                <a:cs typeface="Courier"/>
+                <a:sym typeface="Courier New"/>
+              </a:rPr>
+              <a:t>powitanie w bramie</a:t>
+            </a:r>
+            <a:r>
+              <a:rPr lang="pl" sz="3000" b="0" i="0" u="none" strike="noStrike" cap="none" baseline="0" dirty="0">
+                <a:solidFill>
+                  <a:schemeClr val="lt1"/>
+                </a:solidFill>
+                <a:latin typeface="Courier"/>
+                <a:ea typeface="Courier"/>
+                <a:cs typeface="Courier"/>
+                <a:sym typeface="Courier New"/>
+              </a:rPr>
+              <a:t>')</a:t>
             </a:r>
           </a:p>
           <a:p>
@@ -18800,7 +19025,7 @@
               <a:buNone/>
             </a:pPr>
             <a:r>
-              <a:rPr lang="pl" sz="3000" b="0" i="0" u="none" strike="noStrike" cap="none" baseline="0">
+              <a:rPr lang="pl" sz="3000" b="0" i="0" u="none" strike="noStrike" cap="none" baseline="0" dirty="0">
                 <a:solidFill>
                   <a:schemeClr val="lt1"/>
                 </a:solidFill>
@@ -18812,7 +19037,7 @@
               <a:t>&gt;&gt;&gt; </a:t>
             </a:r>
             <a:r>
-              <a:rPr lang="pl" sz="3000" b="0" i="0" u="none" strike="noStrike" cap="none" baseline="0">
+              <a:rPr lang="pl" sz="3000" b="0" i="0" u="none" strike="noStrike" cap="none" baseline="0" dirty="0">
                 <a:solidFill>
                   <a:srgbClr val="FFFF00"/>
                 </a:solidFill>
@@ -18824,7 +19049,7 @@
               <a:t>print</a:t>
             </a:r>
             <a:r>
-              <a:rPr lang="pl" sz="3000" b="0" i="0" u="none" baseline="0">
+              <a:rPr lang="pl" sz="3000" b="0" i="0" u="none" baseline="0" dirty="0">
                 <a:solidFill>
                   <a:schemeClr val="lt1"/>
                 </a:solidFill>
@@ -18836,7 +19061,7 @@
               <a:t>(</a:t>
             </a:r>
             <a:r>
-              <a:rPr lang="pl" sz="3000" b="0" i="0" u="none" strike="noStrike" cap="none" baseline="0">
+              <a:rPr lang="pl" sz="3000" b="0" i="0" u="none" strike="noStrike" cap="none" baseline="0" dirty="0">
                 <a:solidFill>
                   <a:srgbClr val="00FF00"/>
                 </a:solidFill>
@@ -18848,7 +19073,7 @@
               <a:t>xl</a:t>
             </a:r>
             <a:r>
-              <a:rPr lang="pl" sz="3000" b="0" i="0" u="none" strike="noStrike" cap="none" baseline="0">
+              <a:rPr lang="pl" sz="3000" b="0" i="0" u="none" strike="noStrike" cap="none" baseline="0" dirty="0">
                 <a:solidFill>
                   <a:schemeClr val="bg1"/>
                 </a:solidFill>
@@ -18888,7 +19113,7 @@
               <a:buNone/>
             </a:pPr>
             <a:r>
-              <a:rPr lang="pl" sz="3000" b="0" i="0" u="none" strike="noStrike" cap="none" baseline="0">
+              <a:rPr lang="pl" sz="3000" b="0" i="0" u="none" strike="noStrike" cap="none" baseline="0" dirty="0">
                 <a:solidFill>
                   <a:schemeClr val="lt1"/>
                 </a:solidFill>
@@ -18919,7 +19144,7 @@
               <a:buNone/>
             </a:pPr>
             <a:r>
-              <a:rPr lang="pl" sz="3000" b="0" i="0" u="none" strike="noStrike" cap="none" baseline="0">
+              <a:rPr lang="pl" sz="3000" b="0" i="0" u="none" strike="noStrike" cap="none" baseline="0" dirty="0">
                 <a:solidFill>
                   <a:schemeClr val="lt1"/>
                 </a:solidFill>
@@ -18931,7 +19156,7 @@
               <a:t>&gt;&gt;&gt; </a:t>
             </a:r>
             <a:r>
-              <a:rPr lang="pl" sz="3000" b="0" i="0" u="none" strike="noStrike" cap="none" baseline="0">
+              <a:rPr lang="pl" sz="3000" b="0" i="0" u="none" strike="noStrike" cap="none" baseline="0" dirty="0">
                 <a:solidFill>
                   <a:srgbClr val="00FF00"/>
                 </a:solidFill>
@@ -18943,7 +19168,7 @@
               <a:t>xs</a:t>
             </a:r>
             <a:r>
-              <a:rPr lang="pl" sz="3000" b="0" i="0" u="none" strike="noStrike" cap="none" baseline="0">
+              <a:rPr lang="pl" sz="3000" b="0" i="0" u="none" strike="noStrike" cap="none" baseline="0" dirty="0">
                 <a:solidFill>
                   <a:schemeClr val="lt1"/>
                 </a:solidFill>
@@ -18955,7 +19180,7 @@
               <a:t> = </a:t>
             </a:r>
             <a:r>
-              <a:rPr lang="pl" sz="3000" b="0" i="0" u="none" strike="noStrike" cap="none" baseline="0">
+              <a:rPr lang="pl" sz="3000" b="0" i="0" u="none" strike="noStrike" cap="none" baseline="0" dirty="0">
                 <a:solidFill>
                   <a:srgbClr val="FF00FF"/>
                 </a:solidFill>
@@ -18967,16 +19192,40 @@
               <a:t>min</a:t>
             </a:r>
             <a:r>
-              <a:rPr lang="pl" sz="3000" b="0" i="0" u="none" strike="noStrike" cap="none" baseline="0">
-                <a:solidFill>
-                  <a:schemeClr val="lt1"/>
-                </a:solidFill>
-                <a:latin typeface="Courier"/>
-                <a:ea typeface="Courier"/>
-                <a:cs typeface="Courier"/>
-                <a:sym typeface="Courier New"/>
-              </a:rPr>
-              <a:t>('Witaj świecie')</a:t>
+              <a:rPr lang="pl" sz="3000" b="0" i="0" u="none" strike="noStrike" cap="none" baseline="0" dirty="0">
+                <a:solidFill>
+                  <a:schemeClr val="lt1"/>
+                </a:solidFill>
+                <a:latin typeface="Courier"/>
+                <a:ea typeface="Courier"/>
+                <a:cs typeface="Courier"/>
+                <a:sym typeface="Courier New"/>
+              </a:rPr>
+              <a:t>('</a:t>
+            </a:r>
+            <a:r>
+              <a:rPr lang="pl-PL" sz="3000" b="0" i="0" u="none" strike="noStrike" cap="none" baseline="0" dirty="0">
+                <a:solidFill>
+                  <a:schemeClr val="lt1"/>
+                </a:solidFill>
+                <a:latin typeface="Courier"/>
+                <a:ea typeface="Courier"/>
+                <a:cs typeface="Courier"/>
+                <a:sym typeface="Courier New"/>
+              </a:rPr>
+              <a:t>powitanie w bramie</a:t>
+            </a:r>
+            <a:r>
+              <a:rPr lang="pl" sz="3000" b="0" i="0" u="none" strike="noStrike" cap="none" baseline="0" dirty="0">
+                <a:solidFill>
+                  <a:schemeClr val="lt1"/>
+                </a:solidFill>
+                <a:latin typeface="Courier"/>
+                <a:ea typeface="Courier"/>
+                <a:cs typeface="Courier"/>
+                <a:sym typeface="Courier New"/>
+              </a:rPr>
+              <a:t>')</a:t>
             </a:r>
           </a:p>
           <a:p>
@@ -18998,7 +19247,7 @@
               <a:buNone/>
             </a:pPr>
             <a:r>
-              <a:rPr lang="pl" sz="3000" b="0" i="0" u="none" strike="noStrike" cap="none" baseline="0">
+              <a:rPr lang="pl" sz="3000" b="0" i="0" u="none" strike="noStrike" cap="none" baseline="0" dirty="0">
                 <a:solidFill>
                   <a:schemeClr val="lt1"/>
                 </a:solidFill>
@@ -19010,7 +19259,7 @@
               <a:t>&gt;&gt;&gt; </a:t>
             </a:r>
             <a:r>
-              <a:rPr lang="pl" sz="3000" b="0" i="0" u="none" strike="noStrike" cap="none" baseline="0">
+              <a:rPr lang="pl" sz="3000" b="0" i="0" u="none" strike="noStrike" cap="none" baseline="0" dirty="0">
                 <a:solidFill>
                   <a:srgbClr val="FFFF00"/>
                 </a:solidFill>
@@ -19022,7 +19271,7 @@
               <a:t>print</a:t>
             </a:r>
             <a:r>
-              <a:rPr lang="pl" sz="3000" b="0" i="0" u="none" baseline="0">
+              <a:rPr lang="pl" sz="3000" b="0" i="0" u="none" baseline="0" dirty="0">
                 <a:solidFill>
                   <a:schemeClr val="lt1"/>
                 </a:solidFill>
@@ -19034,7 +19283,7 @@
               <a:t>(</a:t>
             </a:r>
             <a:r>
-              <a:rPr lang="pl" sz="3000" b="0" i="0" u="none" strike="noStrike" cap="none" baseline="0">
+              <a:rPr lang="pl" sz="3000" b="0" i="0" u="none" strike="noStrike" cap="none" baseline="0" dirty="0">
                 <a:solidFill>
                   <a:srgbClr val="00FF00"/>
                 </a:solidFill>
@@ -19046,7 +19295,7 @@
               <a:t>xs</a:t>
             </a:r>
             <a:r>
-              <a:rPr lang="pl" sz="3000" b="0" i="0" u="none" strike="noStrike" cap="none" baseline="0">
+              <a:rPr lang="pl" sz="3000" b="0" i="0" u="none" strike="noStrike" cap="none" baseline="0" dirty="0">
                 <a:solidFill>
                   <a:schemeClr val="bg1"/>
                 </a:solidFill>
@@ -19113,7 +19362,7 @@
               <a:buNone/>
             </a:pPr>
             <a:r>
-              <a:rPr lang="pl" sz="3000" b="0" i="0" u="none" strike="noStrike" cap="none" baseline="0">
+              <a:rPr lang="pl" sz="3000" b="0" i="0" u="none" strike="noStrike" cap="none" baseline="0" dirty="0">
                 <a:solidFill>
                   <a:schemeClr val="lt1"/>
                 </a:solidFill>
@@ -19135,8 +19384,8 @@
         </p:nvSpPr>
         <p:spPr>
           <a:xfrm>
-            <a:off x="2032000" y="1714500"/>
-            <a:ext cx="8086035" cy="812700"/>
+            <a:off x="2347415" y="1714500"/>
+            <a:ext cx="9280478" cy="812700"/>
           </a:xfrm>
           <a:prstGeom prst="rect">
             <a:avLst/>
@@ -19170,52 +19419,76 @@
               <a:buNone/>
             </a:pPr>
             <a:r>
+              <a:rPr lang="en-US" sz="4900" b="0" i="0" u="none" strike="noStrike" cap="none" baseline="0" dirty="0">
+                <a:solidFill>
+                  <a:srgbClr val="00FF00"/>
+                </a:solidFill>
+                <a:latin typeface="Arial" charset="0"/>
+                <a:ea typeface="Arial" charset="0"/>
+                <a:cs typeface="Arial" charset="0"/>
+                <a:sym typeface="Cabin"/>
+              </a:rPr>
+              <a:t>xl</a:t>
+            </a:r>
+            <a:r>
               <a:rPr lang="pl" sz="4900" b="0" i="0" u="none" strike="noStrike" cap="none" baseline="0" dirty="0">
                 <a:solidFill>
-                  <a:srgbClr val="00FF00"/>
-                </a:solidFill>
-                <a:latin typeface="Arial" charset="0"/>
-                <a:ea typeface="Arial" charset="0"/>
-                <a:cs typeface="Arial" charset="0"/>
-                <a:sym typeface="Cabin"/>
-              </a:rPr>
-              <a:t>duże</a:t>
+                  <a:schemeClr val="lt1"/>
+                </a:solidFill>
+                <a:latin typeface="Arial" charset="0"/>
+                <a:ea typeface="Arial" charset="0"/>
+                <a:cs typeface="Arial" charset="0"/>
+                <a:sym typeface="Cabin"/>
+              </a:rPr>
+              <a:t> = </a:t>
             </a:r>
             <a:r>
               <a:rPr lang="pl" sz="4900" b="0" i="0" u="none" strike="noStrike" cap="none" baseline="0" dirty="0">
                 <a:solidFill>
-                  <a:schemeClr val="lt1"/>
-                </a:solidFill>
-                <a:latin typeface="Arial" charset="0"/>
-                <a:ea typeface="Arial" charset="0"/>
-                <a:cs typeface="Arial" charset="0"/>
-                <a:sym typeface="Cabin"/>
-              </a:rPr>
-              <a:t> =  </a:t>
+                  <a:srgbClr val="FF00FF"/>
+                </a:solidFill>
+                <a:latin typeface="Arial" charset="0"/>
+                <a:ea typeface="Arial" charset="0"/>
+                <a:cs typeface="Arial" charset="0"/>
+                <a:sym typeface="Cabin"/>
+              </a:rPr>
+              <a:t>max</a:t>
             </a:r>
             <a:r>
               <a:rPr lang="pl" sz="4900" b="0" i="0" u="none" strike="noStrike" cap="none" baseline="0" dirty="0">
                 <a:solidFill>
-                  <a:srgbClr val="FF00FF"/>
-                </a:solidFill>
-                <a:latin typeface="Arial" charset="0"/>
-                <a:ea typeface="Arial" charset="0"/>
-                <a:cs typeface="Arial" charset="0"/>
-                <a:sym typeface="Cabin"/>
-              </a:rPr>
-              <a:t>max</a:t>
+                  <a:srgbClr val="FF40FF"/>
+                </a:solidFill>
+                <a:latin typeface="Arial" charset="0"/>
+                <a:ea typeface="Arial" charset="0"/>
+                <a:cs typeface="Arial" charset="0"/>
+                <a:sym typeface="Cabin"/>
+              </a:rPr>
+              <a:t>(</a:t>
             </a:r>
             <a:r>
               <a:rPr lang="pl" sz="4900" b="0" i="0" u="none" strike="noStrike" cap="none" baseline="0" dirty="0">
                 <a:solidFill>
-                  <a:srgbClr val="FF40FF"/>
-                </a:solidFill>
-                <a:latin typeface="Arial" charset="0"/>
-                <a:ea typeface="Arial" charset="0"/>
-                <a:cs typeface="Arial" charset="0"/>
-                <a:sym typeface="Cabin"/>
-              </a:rPr>
-              <a:t>(</a:t>
+                  <a:schemeClr val="lt1"/>
+                </a:solidFill>
+                <a:latin typeface="Arial" charset="0"/>
+                <a:ea typeface="Arial" charset="0"/>
+                <a:cs typeface="Arial" charset="0"/>
+                <a:sym typeface="Cabin"/>
+              </a:rPr>
+              <a:t>'</a:t>
+            </a:r>
+            <a:r>
+              <a:rPr lang="pl-PL" sz="4900" b="0" i="0" u="none" strike="noStrike" cap="none" baseline="0" dirty="0">
+                <a:solidFill>
+                  <a:schemeClr val="lt1"/>
+                </a:solidFill>
+                <a:latin typeface="Arial" charset="0"/>
+                <a:ea typeface="Arial" charset="0"/>
+                <a:cs typeface="Arial" charset="0"/>
+                <a:sym typeface="Cabin"/>
+              </a:rPr>
+              <a:t>powitanie w bramie</a:t>
             </a:r>
             <a:r>
               <a:rPr lang="pl" sz="4900" b="0" i="0" u="none" strike="noStrike" cap="none" baseline="0" dirty="0">
@@ -19227,7 +19500,7 @@
                 <a:cs typeface="Arial" charset="0"/>
                 <a:sym typeface="Cabin"/>
               </a:rPr>
-              <a:t>'Witaj świecie'</a:t>
+              <a:t>'</a:t>
             </a:r>
             <a:r>
               <a:rPr lang="pl" sz="4900" b="0" i="0" u="none" strike="noStrike" cap="none" baseline="0" dirty="0">
@@ -19372,7 +19645,7 @@
               <a:buNone/>
             </a:pPr>
             <a:r>
-              <a:rPr lang="pl" sz="3600" b="0" i="0" u="none" strike="noStrike" cap="none" baseline="0">
+              <a:rPr lang="pl" sz="3600" b="0" i="0" u="none" strike="noStrike" cap="none" baseline="0" dirty="0">
                 <a:solidFill>
                   <a:srgbClr val="FFFF00"/>
                 </a:solidFill>
@@ -19455,7 +19728,7 @@
               <a:buNone/>
             </a:pPr>
             <a:r>
-              <a:rPr lang="pl" sz="3400" b="0" i="0" u="none" strike="noStrike" cap="none" baseline="0">
+              <a:rPr lang="pl" sz="3400" b="0" i="0" u="none" strike="noStrike" cap="none" baseline="0" dirty="0">
                 <a:solidFill>
                   <a:srgbClr val="FFFF00"/>
                 </a:solidFill>
@@ -19646,7 +19919,7 @@
               <a:buNone/>
             </a:pPr>
             <a:r>
-              <a:rPr lang="pl" sz="7600" b="0" i="0" u="none" strike="noStrike" cap="none" baseline="0">
+              <a:rPr lang="pl" sz="7600" b="0" i="0" u="none" strike="noStrike" cap="none" baseline="0" dirty="0">
                 <a:solidFill>
                   <a:srgbClr val="FFD966"/>
                 </a:solidFill>
@@ -19657,6 +19930,27 @@
               </a:rPr>
               <a:t>Funkcja max</a:t>
             </a:r>
+            <a:r>
+              <a:rPr lang="en-US" sz="7600" b="0" i="0" u="none" strike="noStrike" cap="none" baseline="0" dirty="0">
+                <a:solidFill>
+                  <a:srgbClr val="FFD966"/>
+                </a:solidFill>
+                <a:latin typeface="Arial" charset="0"/>
+                <a:ea typeface="Arial" charset="0"/>
+                <a:cs typeface="Arial" charset="0"/>
+                <a:sym typeface="Cabin"/>
+              </a:rPr>
+              <a:t>()</a:t>
+            </a:r>
+            <a:endParaRPr lang="pl" sz="7600" b="0" i="0" u="none" strike="noStrike" cap="none" baseline="0" dirty="0">
+              <a:solidFill>
+                <a:srgbClr val="FFD966"/>
+              </a:solidFill>
+              <a:latin typeface="Arial" charset="0"/>
+              <a:ea typeface="Arial" charset="0"/>
+              <a:cs typeface="Arial" charset="0"/>
+              <a:sym typeface="Cabin"/>
+            </a:endParaRPr>
           </a:p>
         </p:txBody>
       </p:sp>
@@ -19669,7 +19963,7 @@
         <p:spPr>
           <a:xfrm>
             <a:off x="1200150" y="2616200"/>
-            <a:ext cx="7132199" cy="1663800"/>
+            <a:ext cx="8080328" cy="1663800"/>
           </a:xfrm>
           <a:prstGeom prst="rect">
             <a:avLst/>
@@ -19703,7 +19997,7 @@
               <a:buNone/>
             </a:pPr>
             <a:r>
-              <a:rPr lang="pl" sz="3000" b="0" i="0" u="none" strike="noStrike" cap="none" baseline="0">
+              <a:rPr lang="pl" sz="3000" b="0" i="0" u="none" strike="noStrike" cap="none" baseline="0" dirty="0">
                 <a:solidFill>
                   <a:schemeClr val="lt1"/>
                 </a:solidFill>
@@ -19715,7 +20009,7 @@
               <a:t>&gt;&gt;&gt; </a:t>
             </a:r>
             <a:r>
-              <a:rPr lang="pl" sz="3000" b="0" i="0" u="none" strike="noStrike" cap="none" baseline="0">
+              <a:rPr lang="pl" sz="3000" b="0" i="0" u="none" strike="noStrike" cap="none" baseline="0" dirty="0">
                 <a:solidFill>
                   <a:srgbClr val="00FF00"/>
                 </a:solidFill>
@@ -19727,7 +20021,7 @@
               <a:t>xl</a:t>
             </a:r>
             <a:r>
-              <a:rPr lang="pl" sz="3000" b="0" i="0" u="none" strike="noStrike" cap="none" baseline="0">
+              <a:rPr lang="pl" sz="3000" b="0" i="0" u="none" strike="noStrike" cap="none" baseline="0" dirty="0">
                 <a:solidFill>
                   <a:schemeClr val="lt1"/>
                 </a:solidFill>
@@ -19739,7 +20033,7 @@
               <a:t> = </a:t>
             </a:r>
             <a:r>
-              <a:rPr lang="pl" sz="3000" b="0" i="0" u="none" strike="noStrike" cap="none" baseline="0">
+              <a:rPr lang="pl" sz="3000" b="0" i="0" u="none" strike="noStrike" cap="none" baseline="0" dirty="0">
                 <a:solidFill>
                   <a:srgbClr val="FF00FF"/>
                 </a:solidFill>
@@ -19751,16 +20045,40 @@
               <a:t>max</a:t>
             </a:r>
             <a:r>
-              <a:rPr lang="pl" sz="3000" b="0" i="0" u="none" strike="noStrike" cap="none" baseline="0">
-                <a:solidFill>
-                  <a:schemeClr val="lt1"/>
-                </a:solidFill>
-                <a:latin typeface="Courier"/>
-                <a:ea typeface="Courier"/>
-                <a:cs typeface="Courier"/>
-                <a:sym typeface="Courier New"/>
-              </a:rPr>
-              <a:t>('Witaj świecie')</a:t>
+              <a:rPr lang="pl" sz="3000" b="0" i="0" u="none" strike="noStrike" cap="none" baseline="0" dirty="0">
+                <a:solidFill>
+                  <a:schemeClr val="lt1"/>
+                </a:solidFill>
+                <a:latin typeface="Courier"/>
+                <a:ea typeface="Courier"/>
+                <a:cs typeface="Courier"/>
+                <a:sym typeface="Courier New"/>
+              </a:rPr>
+              <a:t>('</a:t>
+            </a:r>
+            <a:r>
+              <a:rPr lang="pl-PL" sz="3000" b="0" i="0" u="none" strike="noStrike" cap="none" baseline="0" dirty="0">
+                <a:solidFill>
+                  <a:schemeClr val="lt1"/>
+                </a:solidFill>
+                <a:latin typeface="Courier"/>
+                <a:ea typeface="Courier"/>
+                <a:cs typeface="Courier"/>
+                <a:sym typeface="Courier New"/>
+              </a:rPr>
+              <a:t>powitanie w bramie</a:t>
+            </a:r>
+            <a:r>
+              <a:rPr lang="pl" sz="3000" b="0" i="0" u="none" strike="noStrike" cap="none" baseline="0" dirty="0">
+                <a:solidFill>
+                  <a:schemeClr val="lt1"/>
+                </a:solidFill>
+                <a:latin typeface="Courier"/>
+                <a:ea typeface="Courier"/>
+                <a:cs typeface="Courier"/>
+                <a:sym typeface="Courier New"/>
+              </a:rPr>
+              <a:t>')</a:t>
             </a:r>
           </a:p>
           <a:p>
@@ -19782,7 +20100,7 @@
               <a:buNone/>
             </a:pPr>
             <a:r>
-              <a:rPr lang="pl" sz="3000" b="0" i="0" u="none" strike="noStrike" cap="none" baseline="0">
+              <a:rPr lang="pl" sz="3000" b="0" i="0" u="none" strike="noStrike" cap="none" baseline="0" dirty="0">
                 <a:solidFill>
                   <a:schemeClr val="lt1"/>
                 </a:solidFill>
@@ -19794,7 +20112,7 @@
               <a:t>&gt;&gt;&gt; </a:t>
             </a:r>
             <a:r>
-              <a:rPr lang="pl" sz="3000" b="0" i="0" u="none" strike="noStrike" cap="none" baseline="0">
+              <a:rPr lang="pl" sz="3000" b="0" i="0" u="none" strike="noStrike" cap="none" baseline="0" dirty="0">
                 <a:solidFill>
                   <a:srgbClr val="FFFF00"/>
                 </a:solidFill>
@@ -19806,7 +20124,7 @@
               <a:t>print</a:t>
             </a:r>
             <a:r>
-              <a:rPr lang="pl" sz="3000" b="0" i="0" u="none" baseline="0">
+              <a:rPr lang="pl" sz="3000" b="0" i="0" u="none" baseline="0" dirty="0">
                 <a:solidFill>
                   <a:schemeClr val="lt1"/>
                 </a:solidFill>
@@ -19818,7 +20136,7 @@
               <a:t>(</a:t>
             </a:r>
             <a:r>
-              <a:rPr lang="pl" sz="3000" b="0" i="0" u="none" strike="noStrike" cap="none" baseline="0">
+              <a:rPr lang="pl" sz="3000" b="0" i="0" u="none" strike="noStrike" cap="none" baseline="0" dirty="0">
                 <a:solidFill>
                   <a:srgbClr val="00FF00"/>
                 </a:solidFill>
@@ -19830,7 +20148,7 @@
               <a:t>xl</a:t>
             </a:r>
             <a:r>
-              <a:rPr lang="pl" sz="3000" b="0" i="0" u="none" strike="noStrike" cap="none" baseline="0">
+              <a:rPr lang="pl" sz="3000" b="0" i="0" u="none" strike="noStrike" cap="none" baseline="0" dirty="0">
                 <a:solidFill>
                   <a:schemeClr val="bg1"/>
                 </a:solidFill>
@@ -19870,7 +20188,7 @@
               <a:buNone/>
             </a:pPr>
             <a:r>
-              <a:rPr lang="pl" sz="3000" b="0" i="0" u="none" strike="noStrike" cap="none" baseline="0">
+              <a:rPr lang="pl" sz="3000" b="0" i="0" u="none" strike="noStrike" cap="none" baseline="0" dirty="0">
                 <a:solidFill>
                   <a:schemeClr val="lt1"/>
                 </a:solidFill>
@@ -20012,8 +20330,8 @@
         </p:nvSpPr>
         <p:spPr>
           <a:xfrm>
-            <a:off x="2616200" y="5351455"/>
-            <a:ext cx="2849562" cy="1143000"/>
+            <a:off x="859809" y="5351455"/>
+            <a:ext cx="4605953" cy="1143000"/>
           </a:xfrm>
           <a:prstGeom prst="rect">
             <a:avLst/>
@@ -20047,7 +20365,7 @@
               <a:buNone/>
             </a:pPr>
             <a:r>
-              <a:rPr lang="pl" sz="3600" b="0" i="0" u="none" baseline="0">
+              <a:rPr lang="pl" sz="3600" b="0" i="0" u="none" baseline="0" dirty="0">
                 <a:solidFill>
                   <a:srgbClr val="FF7F00"/>
                 </a:solidFill>
@@ -20055,7 +20373,7 @@
               <a:t>'</a:t>
             </a:r>
             <a:r>
-              <a:rPr lang="pl" sz="3600" b="0" i="0" u="none" strike="noStrike" cap="none" baseline="0">
+              <a:rPr lang="pl-PL" sz="3600" b="0" i="0" u="none" strike="noStrike" cap="none" baseline="0" dirty="0">
                 <a:solidFill>
                   <a:srgbClr val="FF7F00"/>
                 </a:solidFill>
@@ -20064,10 +20382,10 @@
                 <a:cs typeface="Arial" charset="0"/>
                 <a:sym typeface="Cabin"/>
               </a:rPr>
-              <a:t>Witaj świecie</a:t>
-            </a:r>
-            <a:r>
-              <a:rPr lang="pl" sz="3600" b="0" i="0" u="none" baseline="0">
+              <a:t>powitanie w bramie</a:t>
+            </a:r>
+            <a:r>
+              <a:rPr lang="pl" sz="3600" b="0" i="0" u="none" baseline="0" dirty="0">
                 <a:solidFill>
                   <a:srgbClr val="FF7F00"/>
                 </a:solidFill>
@@ -20075,7 +20393,7 @@
               <a:t>'</a:t>
             </a:r>
             <a:r>
-              <a:rPr lang="pl" sz="3600" b="0" i="0" u="none" strike="noStrike" cap="none" baseline="0">
+              <a:rPr lang="pl" sz="3600" b="0" i="0" u="none" strike="noStrike" cap="none" baseline="0" dirty="0">
                 <a:solidFill>
                   <a:srgbClr val="FF7F00"/>
                 </a:solidFill>
@@ -20106,7 +20424,7 @@
               <a:buNone/>
             </a:pPr>
             <a:r>
-              <a:rPr lang="pl" sz="3600" b="0" i="0" u="none" strike="noStrike" cap="none" baseline="0">
+              <a:rPr lang="pl" sz="3600" b="0" i="0" u="none" strike="noStrike" cap="none" baseline="0" dirty="0">
                 <a:solidFill>
                   <a:srgbClr val="F3F3F3"/>
                 </a:solidFill>
@@ -20528,7 +20846,7 @@
               <a:buNone/>
             </a:pPr>
             <a:r>
-              <a:rPr lang="pl" sz="7600" b="0" i="0" u="none" strike="noStrike" cap="none" baseline="0">
+              <a:rPr lang="pl" sz="7600" b="0" i="0" u="none" strike="noStrike" cap="none" baseline="0" dirty="0">
                 <a:solidFill>
                   <a:srgbClr val="FFD966"/>
                 </a:solidFill>
@@ -20539,6 +20857,27 @@
               </a:rPr>
               <a:t>Funkcja max</a:t>
             </a:r>
+            <a:r>
+              <a:rPr lang="en-US" sz="7600" b="0" i="0" u="none" strike="noStrike" cap="none" baseline="0" dirty="0">
+                <a:solidFill>
+                  <a:srgbClr val="FFD966"/>
+                </a:solidFill>
+                <a:latin typeface="Arial" charset="0"/>
+                <a:ea typeface="Arial" charset="0"/>
+                <a:cs typeface="Arial" charset="0"/>
+                <a:sym typeface="Cabin"/>
+              </a:rPr>
+              <a:t>()</a:t>
+            </a:r>
+            <a:endParaRPr lang="pl" sz="7600" b="0" i="0" u="none" strike="noStrike" cap="none" baseline="0" dirty="0">
+              <a:solidFill>
+                <a:srgbClr val="FFD966"/>
+              </a:solidFill>
+              <a:latin typeface="Arial" charset="0"/>
+              <a:ea typeface="Arial" charset="0"/>
+              <a:cs typeface="Arial" charset="0"/>
+              <a:sym typeface="Cabin"/>
+            </a:endParaRPr>
           </a:p>
         </p:txBody>
       </p:sp>
@@ -20551,7 +20890,7 @@
         <p:spPr>
           <a:xfrm>
             <a:off x="1200150" y="2616200"/>
-            <a:ext cx="7132199" cy="1663800"/>
+            <a:ext cx="8175862" cy="1663800"/>
           </a:xfrm>
           <a:prstGeom prst="rect">
             <a:avLst/>
@@ -20585,7 +20924,7 @@
               <a:buNone/>
             </a:pPr>
             <a:r>
-              <a:rPr lang="pl" sz="3000" b="0" i="0" u="none" strike="noStrike" cap="none" baseline="0">
+              <a:rPr lang="pl" sz="3000" b="0" i="0" u="none" strike="noStrike" cap="none" baseline="0" dirty="0">
                 <a:solidFill>
                   <a:schemeClr val="lt1"/>
                 </a:solidFill>
@@ -20597,7 +20936,7 @@
               <a:t>&gt;&gt;&gt; </a:t>
             </a:r>
             <a:r>
-              <a:rPr lang="pl" sz="3000" b="0" i="0" u="none" strike="noStrike" cap="none" baseline="0">
+              <a:rPr lang="pl" sz="3000" b="0" i="0" u="none" strike="noStrike" cap="none" baseline="0" dirty="0">
                 <a:solidFill>
                   <a:srgbClr val="00FF00"/>
                 </a:solidFill>
@@ -20609,7 +20948,7 @@
               <a:t>xl</a:t>
             </a:r>
             <a:r>
-              <a:rPr lang="pl" sz="3000" b="0" i="0" u="none" strike="noStrike" cap="none" baseline="0">
+              <a:rPr lang="pl" sz="3000" b="0" i="0" u="none" strike="noStrike" cap="none" baseline="0" dirty="0">
                 <a:solidFill>
                   <a:schemeClr val="lt1"/>
                 </a:solidFill>
@@ -20621,7 +20960,7 @@
               <a:t> = </a:t>
             </a:r>
             <a:r>
-              <a:rPr lang="pl" sz="3000" b="0" i="0" u="none" strike="noStrike" cap="none" baseline="0">
+              <a:rPr lang="pl" sz="3000" b="0" i="0" u="none" strike="noStrike" cap="none" baseline="0" dirty="0">
                 <a:solidFill>
                   <a:srgbClr val="FF00FF"/>
                 </a:solidFill>
@@ -20633,16 +20972,40 @@
               <a:t>max</a:t>
             </a:r>
             <a:r>
-              <a:rPr lang="pl" sz="3000" b="0" i="0" u="none" strike="noStrike" cap="none" baseline="0">
-                <a:solidFill>
-                  <a:schemeClr val="lt1"/>
-                </a:solidFill>
-                <a:latin typeface="Courier"/>
-                <a:ea typeface="Courier"/>
-                <a:cs typeface="Courier"/>
-                <a:sym typeface="Courier New"/>
-              </a:rPr>
-              <a:t>('Witaj świecie')</a:t>
+              <a:rPr lang="pl" sz="3000" b="0" i="0" u="none" strike="noStrike" cap="none" baseline="0" dirty="0">
+                <a:solidFill>
+                  <a:schemeClr val="lt1"/>
+                </a:solidFill>
+                <a:latin typeface="Courier"/>
+                <a:ea typeface="Courier"/>
+                <a:cs typeface="Courier"/>
+                <a:sym typeface="Courier New"/>
+              </a:rPr>
+              <a:t>('</a:t>
+            </a:r>
+            <a:r>
+              <a:rPr lang="pl-PL" sz="3000" b="0" i="0" u="none" strike="noStrike" cap="none" baseline="0" dirty="0">
+                <a:solidFill>
+                  <a:schemeClr val="lt1"/>
+                </a:solidFill>
+                <a:latin typeface="Courier"/>
+                <a:ea typeface="Courier"/>
+                <a:cs typeface="Courier"/>
+                <a:sym typeface="Courier New"/>
+              </a:rPr>
+              <a:t>powitanie w bramie</a:t>
+            </a:r>
+            <a:r>
+              <a:rPr lang="pl" sz="3000" b="0" i="0" u="none" strike="noStrike" cap="none" baseline="0" dirty="0">
+                <a:solidFill>
+                  <a:schemeClr val="lt1"/>
+                </a:solidFill>
+                <a:latin typeface="Courier"/>
+                <a:ea typeface="Courier"/>
+                <a:cs typeface="Courier"/>
+                <a:sym typeface="Courier New"/>
+              </a:rPr>
+              <a:t>')</a:t>
             </a:r>
           </a:p>
           <a:p>
@@ -20664,7 +21027,7 @@
               <a:buNone/>
             </a:pPr>
             <a:r>
-              <a:rPr lang="pl" sz="3000" b="0" i="0" u="none" strike="noStrike" cap="none" baseline="0">
+              <a:rPr lang="pl" sz="3000" b="0" i="0" u="none" strike="noStrike" cap="none" baseline="0" dirty="0">
                 <a:solidFill>
                   <a:schemeClr val="lt1"/>
                 </a:solidFill>
@@ -20676,7 +21039,7 @@
               <a:t>&gt;&gt;&gt; </a:t>
             </a:r>
             <a:r>
-              <a:rPr lang="pl" sz="3000" b="0" i="0" u="none" strike="noStrike" cap="none" baseline="0">
+              <a:rPr lang="pl" sz="3000" b="0" i="0" u="none" strike="noStrike" cap="none" baseline="0" dirty="0">
                 <a:solidFill>
                   <a:srgbClr val="FFFF00"/>
                 </a:solidFill>
@@ -20688,7 +21051,7 @@
               <a:t>print</a:t>
             </a:r>
             <a:r>
-              <a:rPr lang="pl" sz="3000" b="0" i="0" u="none" strike="noStrike" cap="none" baseline="0">
+              <a:rPr lang="pl" sz="3000" b="0" i="0" u="none" strike="noStrike" cap="none" baseline="0" dirty="0">
                 <a:solidFill>
                   <a:schemeClr val="lt1"/>
                 </a:solidFill>
@@ -20700,7 +21063,7 @@
               <a:t>(</a:t>
             </a:r>
             <a:r>
-              <a:rPr lang="pl" sz="3000" b="0" i="0" u="none" strike="noStrike" cap="none" baseline="0">
+              <a:rPr lang="pl" sz="3000" b="0" i="0" u="none" strike="noStrike" cap="none" baseline="0" dirty="0">
                 <a:solidFill>
                   <a:srgbClr val="00FF00"/>
                 </a:solidFill>
@@ -20712,7 +21075,7 @@
               <a:t>xl</a:t>
             </a:r>
             <a:r>
-              <a:rPr lang="pl" sz="3000" b="0" i="0" u="none" strike="noStrike" cap="none" baseline="0">
+              <a:rPr lang="pl" sz="3000" b="0" i="0" u="none" strike="noStrike" cap="none" baseline="0" dirty="0">
                 <a:solidFill>
                   <a:schemeClr val="bg1"/>
                 </a:solidFill>
@@ -20752,7 +21115,7 @@
               <a:buNone/>
             </a:pPr>
             <a:r>
-              <a:rPr lang="pl" sz="3000" b="0" i="0" u="none" strike="noStrike" cap="none" baseline="0">
+              <a:rPr lang="pl" sz="3000" b="0" i="0" u="none" strike="noStrike" cap="none" baseline="0" dirty="0">
                 <a:solidFill>
                   <a:schemeClr val="lt1"/>
                 </a:solidFill>
@@ -21082,122 +21445,6 @@
           </a:ln>
         </p:spPr>
       </p:cxnSp>
-      <p:sp>
-        <p:nvSpPr>
-          <p:cNvPr id="265" name="Shape 265"/>
-          <p:cNvSpPr txBox="1"/>
-          <p:nvPr/>
-        </p:nvSpPr>
-        <p:spPr>
-          <a:xfrm>
-            <a:off x="2616200" y="5351455"/>
-            <a:ext cx="2849562" cy="1143000"/>
-          </a:xfrm>
-          <a:prstGeom prst="rect">
-            <a:avLst/>
-          </a:prstGeom>
-          <a:noFill/>
-          <a:ln>
-            <a:noFill/>
-          </a:ln>
-        </p:spPr>
-        <p:txBody>
-          <a:bodyPr lIns="0" tIns="0" rIns="0" bIns="0" anchor="ctr" anchorCtr="0">
-            <a:noAutofit/>
-          </a:bodyPr>
-          <a:lstStyle/>
-          <a:p>
-            <a:pPr marL="0" marR="0" lvl="0" indent="0" algn="ctr" rtl="0">
-              <a:lnSpc>
-                <a:spcPct val="100000"/>
-              </a:lnSpc>
-              <a:spcBef>
-                <a:spcPts val="0"/>
-              </a:spcBef>
-              <a:spcAft>
-                <a:spcPts val="0"/>
-              </a:spcAft>
-              <a:buClr>
-                <a:srgbClr val="FF7F00"/>
-              </a:buClr>
-              <a:buSzPct val="25000"/>
-              <a:buFont typeface="Arial"/>
-              <a:buNone/>
-            </a:pPr>
-            <a:r>
-              <a:rPr lang="pl" sz="3600" b="0" i="0" u="none" baseline="0">
-                <a:solidFill>
-                  <a:srgbClr val="FF7F00"/>
-                </a:solidFill>
-              </a:rPr>
-              <a:t>'</a:t>
-            </a:r>
-            <a:r>
-              <a:rPr lang="pl" sz="3600" b="0" i="0" u="none" strike="noStrike" cap="none" baseline="0">
-                <a:solidFill>
-                  <a:srgbClr val="FF7F00"/>
-                </a:solidFill>
-                <a:latin typeface="Arial" charset="0"/>
-                <a:ea typeface="Arial" charset="0"/>
-                <a:cs typeface="Arial" charset="0"/>
-                <a:sym typeface="Cabin"/>
-              </a:rPr>
-              <a:t>Witaj świecie</a:t>
-            </a:r>
-            <a:r>
-              <a:rPr lang="pl" sz="3600" b="0" i="0" u="none" baseline="0">
-                <a:solidFill>
-                  <a:srgbClr val="FF7F00"/>
-                </a:solidFill>
-              </a:rPr>
-              <a:t>'</a:t>
-            </a:r>
-            <a:r>
-              <a:rPr lang="pl" sz="3600" b="0" i="0" u="none" strike="noStrike" cap="none" baseline="0">
-                <a:solidFill>
-                  <a:srgbClr val="FF7F00"/>
-                </a:solidFill>
-                <a:latin typeface="Arial" charset="0"/>
-                <a:ea typeface="Arial" charset="0"/>
-                <a:cs typeface="Arial" charset="0"/>
-                <a:sym typeface="Cabin"/>
-              </a:rPr>
-              <a:t> </a:t>
-            </a:r>
-          </a:p>
-          <a:p>
-            <a:pPr marL="0" marR="0" lvl="0" indent="0" algn="ctr" rtl="0">
-              <a:lnSpc>
-                <a:spcPct val="100000"/>
-              </a:lnSpc>
-              <a:spcBef>
-                <a:spcPts val="0"/>
-              </a:spcBef>
-              <a:spcAft>
-                <a:spcPts val="0"/>
-              </a:spcAft>
-              <a:buClr>
-                <a:srgbClr val="FF7F00"/>
-              </a:buClr>
-              <a:buSzPct val="25000"/>
-              <a:buFont typeface="Cabin"/>
-              <a:buNone/>
-            </a:pPr>
-            <a:r>
-              <a:rPr lang="pl" sz="3600" b="0" i="0" u="none" strike="noStrike" cap="none" baseline="0">
-                <a:solidFill>
-                  <a:srgbClr val="F3F3F3"/>
-                </a:solidFill>
-                <a:latin typeface="Arial" charset="0"/>
-                <a:ea typeface="Arial" charset="0"/>
-                <a:cs typeface="Arial" charset="0"/>
-                <a:sym typeface="Cabin"/>
-              </a:rPr>
-              <a:t>(ciąg znaków)</a:t>
-            </a:r>
-          </a:p>
-        </p:txBody>
-      </p:sp>
       <p:cxnSp>
         <p:nvCxnSpPr>
           <p:cNvPr id="267" name="Shape 267"/>
@@ -21552,6 +21799,128 @@
                 <a:sym typeface="Cabin"/>
               </a:rPr>
               <a:t>Ten kod napisał Guido</a:t>
+            </a:r>
+          </a:p>
+        </p:txBody>
+      </p:sp>
+      <p:sp>
+        <p:nvSpPr>
+          <p:cNvPr id="11" name="Shape 265">
+            <a:extLst>
+              <a:ext uri="{FF2B5EF4-FFF2-40B4-BE49-F238E27FC236}">
+                <a16:creationId xmlns:a16="http://schemas.microsoft.com/office/drawing/2014/main" id="{AA03A404-1B65-44C7-B40F-4AB411BDD4D0}"/>
+              </a:ext>
+            </a:extLst>
+          </p:cNvPr>
+          <p:cNvSpPr txBox="1"/>
+          <p:nvPr/>
+        </p:nvSpPr>
+        <p:spPr>
+          <a:xfrm>
+            <a:off x="859809" y="5351455"/>
+            <a:ext cx="4605953" cy="1143000"/>
+          </a:xfrm>
+          <a:prstGeom prst="rect">
+            <a:avLst/>
+          </a:prstGeom>
+          <a:noFill/>
+          <a:ln>
+            <a:noFill/>
+          </a:ln>
+        </p:spPr>
+        <p:txBody>
+          <a:bodyPr lIns="0" tIns="0" rIns="0" bIns="0" anchor="ctr" anchorCtr="0">
+            <a:noAutofit/>
+          </a:bodyPr>
+          <a:lstStyle/>
+          <a:p>
+            <a:pPr marL="0" marR="0" lvl="0" indent="0" algn="ctr" rtl="0">
+              <a:lnSpc>
+                <a:spcPct val="100000"/>
+              </a:lnSpc>
+              <a:spcBef>
+                <a:spcPts val="0"/>
+              </a:spcBef>
+              <a:spcAft>
+                <a:spcPts val="0"/>
+              </a:spcAft>
+              <a:buClr>
+                <a:srgbClr val="FF7F00"/>
+              </a:buClr>
+              <a:buSzPct val="25000"/>
+              <a:buFont typeface="Arial"/>
+              <a:buNone/>
+            </a:pPr>
+            <a:r>
+              <a:rPr lang="pl" sz="3600" b="0" i="0" u="none" baseline="0" dirty="0">
+                <a:solidFill>
+                  <a:srgbClr val="FF7F00"/>
+                </a:solidFill>
+              </a:rPr>
+              <a:t>'</a:t>
+            </a:r>
+            <a:r>
+              <a:rPr lang="pl-PL" sz="3600" b="0" i="0" u="none" strike="noStrike" cap="none" baseline="0" dirty="0">
+                <a:solidFill>
+                  <a:srgbClr val="FF7F00"/>
+                </a:solidFill>
+                <a:latin typeface="Arial" charset="0"/>
+                <a:ea typeface="Arial" charset="0"/>
+                <a:cs typeface="Arial" charset="0"/>
+                <a:sym typeface="Cabin"/>
+              </a:rPr>
+              <a:t>powitanie w bramie</a:t>
+            </a:r>
+            <a:r>
+              <a:rPr lang="pl" sz="3600" b="0" i="0" u="none" baseline="0" dirty="0">
+                <a:solidFill>
+                  <a:srgbClr val="FF7F00"/>
+                </a:solidFill>
+              </a:rPr>
+              <a:t>'</a:t>
+            </a:r>
+            <a:r>
+              <a:rPr lang="pl" sz="3600" b="0" i="0" u="none" strike="noStrike" cap="none" baseline="0" dirty="0">
+                <a:solidFill>
+                  <a:srgbClr val="FF7F00"/>
+                </a:solidFill>
+                <a:latin typeface="Arial" charset="0"/>
+                <a:ea typeface="Arial" charset="0"/>
+                <a:cs typeface="Arial" charset="0"/>
+                <a:sym typeface="Cabin"/>
+              </a:rPr>
+              <a:t> </a:t>
+            </a:r>
+          </a:p>
+          <a:p>
+            <a:pPr marL="0" marR="0" lvl="0" indent="0" algn="ctr" rtl="0">
+              <a:lnSpc>
+                <a:spcPct val="100000"/>
+              </a:lnSpc>
+              <a:spcBef>
+                <a:spcPts val="0"/>
+              </a:spcBef>
+              <a:spcAft>
+                <a:spcPts val="0"/>
+              </a:spcAft>
+              <a:buClr>
+                <a:srgbClr val="FF7F00"/>
+              </a:buClr>
+              <a:buSzPct val="25000"/>
+              <a:buFont typeface="Cabin"/>
+              <a:buNone/>
+            </a:pPr>
+            <a:r>
+              <a:rPr lang="pl" sz="3600" b="0" i="0" u="none" strike="noStrike" cap="none" baseline="0" dirty="0">
+                <a:solidFill>
+                  <a:srgbClr val="F3F3F3"/>
+                </a:solidFill>
+                <a:latin typeface="Arial" charset="0"/>
+                <a:ea typeface="Arial" charset="0"/>
+                <a:cs typeface="Arial" charset="0"/>
+                <a:sym typeface="Cabin"/>
+              </a:rPr>
+              <a:t>(ciąg znaków)</a:t>
             </a:r>
           </a:p>
         </p:txBody>
